--- a/ormRevEng.pptx
+++ b/ormRevEng.pptx
@@ -12,6 +12,8 @@
     <p:sldId id="259" r:id="rId6"/>
     <p:sldId id="261" r:id="rId7"/>
     <p:sldId id="262" r:id="rId8"/>
+    <p:sldId id="263" r:id="rId9"/>
+    <p:sldId id="264" r:id="rId10"/>
   </p:sldIdLst>
   <p:sldSz cx="9144000" cy="6858000" type="screen4x3"/>
   <p:notesSz cx="6858000" cy="9144000"/>
@@ -3922,11 +3924,7 @@
             </a:r>
             <a:r>
               <a:rPr lang="en-US" dirty="0" smtClean="0"/>
-              <a:t> is more than just Java (it also has strong ties to Red Hat).  Spring is purely Java.  Hibernate is purely Java (</a:t>
-            </a:r>
-            <a:r>
-              <a:rPr lang="en-US" smtClean="0"/>
-              <a:t>but just for DB ORM)</a:t>
+              <a:t> is more than just Java (it also has strong ties to Red Hat).  Spring is purely Java.  Hibernate is purely Java (but just for DB ORM)</a:t>
             </a:r>
           </a:p>
           <a:p>
@@ -3941,6 +3939,275 @@
     <p:extLst>
       <p:ext uri="{BB962C8B-B14F-4D97-AF65-F5344CB8AC3E}">
         <p14:creationId xmlns:p14="http://schemas.microsoft.com/office/powerpoint/2010/main" val="89939231"/>
+      </p:ext>
+    </p:extLst>
+  </p:cSld>
+  <p:clrMapOvr>
+    <a:masterClrMapping/>
+  </p:clrMapOvr>
+</p:sld>
+</file>
+
+<file path=ppt/slides/slide8.xml><?xml version="1.0" encoding="utf-8"?>
+<p:sld xmlns:a="http://schemas.openxmlformats.org/drawingml/2006/main" xmlns:r="http://schemas.openxmlformats.org/officeDocument/2006/relationships" xmlns:p="http://schemas.openxmlformats.org/presentationml/2006/main">
+  <p:cSld>
+    <p:spTree>
+      <p:nvGrpSpPr>
+        <p:cNvPr id="1" name=""/>
+        <p:cNvGrpSpPr/>
+        <p:nvPr/>
+      </p:nvGrpSpPr>
+      <p:grpSpPr>
+        <a:xfrm>
+          <a:off x="0" y="0"/>
+          <a:ext cx="0" cy="0"/>
+          <a:chOff x="0" y="0"/>
+          <a:chExt cx="0" cy="0"/>
+        </a:xfrm>
+      </p:grpSpPr>
+      <p:sp>
+        <p:nvSpPr>
+          <p:cNvPr id="2" name="Title 1"/>
+          <p:cNvSpPr>
+            <a:spLocks noGrp="1"/>
+          </p:cNvSpPr>
+          <p:nvPr>
+            <p:ph type="title"/>
+          </p:nvPr>
+        </p:nvSpPr>
+        <p:spPr/>
+        <p:txBody>
+          <a:bodyPr/>
+          <a:lstStyle/>
+          <a:p>
+            <a:r>
+              <a:rPr lang="en-US" dirty="0" smtClean="0"/>
+              <a:t>Plugin is a bit buggy</a:t>
+            </a:r>
+            <a:endParaRPr lang="en-US" dirty="0"/>
+          </a:p>
+        </p:txBody>
+      </p:sp>
+      <p:sp>
+        <p:nvSpPr>
+          <p:cNvPr id="3" name="Content Placeholder 2"/>
+          <p:cNvSpPr>
+            <a:spLocks noGrp="1"/>
+          </p:cNvSpPr>
+          <p:nvPr>
+            <p:ph idx="1"/>
+          </p:nvPr>
+        </p:nvSpPr>
+        <p:spPr/>
+        <p:txBody>
+          <a:bodyPr>
+            <a:normAutofit fontScale="85000" lnSpcReduction="20000"/>
+          </a:bodyPr>
+          <a:lstStyle/>
+          <a:p>
+            <a:r>
+              <a:rPr lang="en-US" dirty="0" smtClean="0"/>
+              <a:t>Plugin uses an old version of slf4j … </a:t>
+            </a:r>
+            <a:r>
+              <a:rPr lang="en-US" dirty="0" err="1" smtClean="0"/>
+              <a:t>gotta</a:t>
+            </a:r>
+            <a:r>
+              <a:rPr lang="en-US" dirty="0" smtClean="0"/>
+              <a:t> match it with our pom.xml</a:t>
+            </a:r>
+          </a:p>
+          <a:p>
+            <a:r>
+              <a:rPr lang="en-US" dirty="0"/>
+              <a:t>&lt;</a:t>
+            </a:r>
+            <a:r>
+              <a:rPr lang="en-US" dirty="0" err="1"/>
+              <a:t>dependencyManagement</a:t>
+            </a:r>
+            <a:r>
+              <a:rPr lang="en-US" dirty="0"/>
+              <a:t>&gt;</a:t>
+            </a:r>
+          </a:p>
+          <a:p>
+            <a:r>
+              <a:rPr lang="en-US" dirty="0" smtClean="0"/>
+              <a:t>&lt;</a:t>
+            </a:r>
+            <a:r>
+              <a:rPr lang="en-US" smtClean="0"/>
+              <a:t>dependencies&gt;</a:t>
+            </a:r>
+            <a:endParaRPr lang="en-US" dirty="0" smtClean="0"/>
+          </a:p>
+          <a:p>
+            <a:r>
+              <a:rPr lang="en-US" dirty="0" smtClean="0"/>
+              <a:t>&lt;</a:t>
+            </a:r>
+            <a:r>
+              <a:rPr lang="en-US" dirty="0"/>
+              <a:t>dependency&gt;</a:t>
+            </a:r>
+          </a:p>
+          <a:p>
+            <a:r>
+              <a:rPr lang="en-US" dirty="0"/>
+              <a:t>&lt;</a:t>
+            </a:r>
+            <a:r>
+              <a:rPr lang="en-US" dirty="0" err="1"/>
+              <a:t>groupId</a:t>
+            </a:r>
+            <a:r>
+              <a:rPr lang="en-US" dirty="0"/>
+              <a:t>&gt;org.slf4j&lt;/</a:t>
+            </a:r>
+            <a:r>
+              <a:rPr lang="en-US" dirty="0" err="1"/>
+              <a:t>groupId</a:t>
+            </a:r>
+            <a:r>
+              <a:rPr lang="en-US" dirty="0"/>
+              <a:t>&gt;</a:t>
+            </a:r>
+          </a:p>
+          <a:p>
+            <a:r>
+              <a:rPr lang="en-US" dirty="0"/>
+              <a:t>&lt;</a:t>
+            </a:r>
+            <a:r>
+              <a:rPr lang="en-US" dirty="0" err="1"/>
+              <a:t>artifactId</a:t>
+            </a:r>
+            <a:r>
+              <a:rPr lang="en-US" dirty="0"/>
+              <a:t>&gt;</a:t>
+            </a:r>
+            <a:r>
+              <a:rPr lang="en-US" u="sng" dirty="0"/>
+              <a:t>jul-to-slf4j&lt;/</a:t>
+            </a:r>
+            <a:r>
+              <a:rPr lang="en-US" u="sng" dirty="0" err="1"/>
+              <a:t>artifactId</a:t>
+            </a:r>
+            <a:r>
+              <a:rPr lang="en-US" u="sng" dirty="0"/>
+              <a:t>&gt;</a:t>
+            </a:r>
+          </a:p>
+          <a:p>
+            <a:r>
+              <a:rPr lang="en-US" dirty="0"/>
+              <a:t>&lt;version&gt;1.5.11&lt;/version&gt;</a:t>
+            </a:r>
+          </a:p>
+          <a:p>
+            <a:r>
+              <a:rPr lang="en-US" dirty="0"/>
+              <a:t>&lt;/dependency&gt;</a:t>
+            </a:r>
+          </a:p>
+          <a:p>
+            <a:r>
+              <a:rPr lang="en-US" dirty="0"/>
+              <a:t>&lt;/dependencies&gt;</a:t>
+            </a:r>
+          </a:p>
+          <a:p>
+            <a:r>
+              <a:rPr lang="en-US" dirty="0"/>
+              <a:t>&lt;/</a:t>
+            </a:r>
+            <a:r>
+              <a:rPr lang="en-US" dirty="0" err="1"/>
+              <a:t>dependencyManagement</a:t>
+            </a:r>
+            <a:r>
+              <a:rPr lang="en-US" dirty="0"/>
+              <a:t>&gt;</a:t>
+            </a:r>
+            <a:endParaRPr lang="en-US" dirty="0"/>
+          </a:p>
+        </p:txBody>
+      </p:sp>
+    </p:spTree>
+    <p:extLst>
+      <p:ext uri="{BB962C8B-B14F-4D97-AF65-F5344CB8AC3E}">
+        <p14:creationId xmlns:p14="http://schemas.microsoft.com/office/powerpoint/2010/main" val="1674336393"/>
+      </p:ext>
+    </p:extLst>
+  </p:cSld>
+  <p:clrMapOvr>
+    <a:masterClrMapping/>
+  </p:clrMapOvr>
+</p:sld>
+</file>
+
+<file path=ppt/slides/slide9.xml><?xml version="1.0" encoding="utf-8"?>
+<p:sld xmlns:a="http://schemas.openxmlformats.org/drawingml/2006/main" xmlns:r="http://schemas.openxmlformats.org/officeDocument/2006/relationships" xmlns:p="http://schemas.openxmlformats.org/presentationml/2006/main">
+  <p:cSld>
+    <p:spTree>
+      <p:nvGrpSpPr>
+        <p:cNvPr id="1" name=""/>
+        <p:cNvGrpSpPr/>
+        <p:nvPr/>
+      </p:nvGrpSpPr>
+      <p:grpSpPr>
+        <a:xfrm>
+          <a:off x="0" y="0"/>
+          <a:ext cx="0" cy="0"/>
+          <a:chOff x="0" y="0"/>
+          <a:chExt cx="0" cy="0"/>
+        </a:xfrm>
+      </p:grpSpPr>
+      <p:sp>
+        <p:nvSpPr>
+          <p:cNvPr id="2" name="Title 1"/>
+          <p:cNvSpPr>
+            <a:spLocks noGrp="1"/>
+          </p:cNvSpPr>
+          <p:nvPr>
+            <p:ph type="title"/>
+          </p:nvPr>
+        </p:nvSpPr>
+        <p:spPr/>
+        <p:txBody>
+          <a:bodyPr/>
+          <a:lstStyle/>
+          <a:p>
+            <a:endParaRPr lang="en-US"/>
+          </a:p>
+        </p:txBody>
+      </p:sp>
+      <p:sp>
+        <p:nvSpPr>
+          <p:cNvPr id="3" name="Content Placeholder 2"/>
+          <p:cNvSpPr>
+            <a:spLocks noGrp="1"/>
+          </p:cNvSpPr>
+          <p:nvPr>
+            <p:ph idx="1"/>
+          </p:nvPr>
+        </p:nvSpPr>
+        <p:spPr/>
+        <p:txBody>
+          <a:bodyPr/>
+          <a:lstStyle/>
+          <a:p>
+            <a:endParaRPr lang="en-US"/>
+          </a:p>
+        </p:txBody>
+      </p:sp>
+    </p:spTree>
+    <p:extLst>
+      <p:ext uri="{BB962C8B-B14F-4D97-AF65-F5344CB8AC3E}">
+        <p14:creationId xmlns:p14="http://schemas.microsoft.com/office/powerpoint/2010/main" val="599935230"/>
       </p:ext>
     </p:extLst>
   </p:cSld>

--- a/ormRevEng.pptx
+++ b/ormRevEng.pptx
@@ -4001,7 +4001,7 @@
         <p:spPr/>
         <p:txBody>
           <a:bodyPr>
-            <a:normAutofit fontScale="85000" lnSpcReduction="20000"/>
+            <a:normAutofit fontScale="25000" lnSpcReduction="20000"/>
           </a:bodyPr>
           <a:lstStyle/>
           <a:p>
@@ -4034,23 +4034,14 @@
           </a:p>
           <a:p>
             <a:r>
-              <a:rPr lang="en-US" dirty="0" smtClean="0"/>
-              <a:t>&lt;</a:t>
-            </a:r>
-            <a:r>
-              <a:rPr lang="en-US" smtClean="0"/>
-              <a:t>dependencies&gt;</a:t>
-            </a:r>
-            <a:endParaRPr lang="en-US" dirty="0" smtClean="0"/>
-          </a:p>
-          <a:p>
-            <a:r>
-              <a:rPr lang="en-US" dirty="0" smtClean="0"/>
-              <a:t>&lt;</a:t>
-            </a:r>
-            <a:r>
-              <a:rPr lang="en-US" dirty="0"/>
-              <a:t>dependency&gt;</a:t>
+              <a:rPr lang="en-US" dirty="0"/>
+              <a:t>&lt;dependencies&gt;</a:t>
+            </a:r>
+          </a:p>
+          <a:p>
+            <a:r>
+              <a:rPr lang="en-US" dirty="0"/>
+              <a:t>&lt;dependency&gt;</a:t>
             </a:r>
           </a:p>
           <a:p>
@@ -4086,6 +4077,200 @@
             </a:r>
             <a:r>
               <a:rPr lang="en-US" dirty="0"/>
+              <a:t>&gt;slf4j-</a:t>
+            </a:r>
+            <a:r>
+              <a:rPr lang="en-US" u="sng" dirty="0"/>
+              <a:t>api&lt;/</a:t>
+            </a:r>
+            <a:r>
+              <a:rPr lang="en-US" u="sng" dirty="0" err="1"/>
+              <a:t>artifactId</a:t>
+            </a:r>
+            <a:r>
+              <a:rPr lang="en-US" u="sng" dirty="0"/>
+              <a:t>&gt;</a:t>
+            </a:r>
+          </a:p>
+          <a:p>
+            <a:r>
+              <a:rPr lang="en-US" dirty="0"/>
+              <a:t>&lt;version&gt;1.5.11&lt;/version&gt;</a:t>
+            </a:r>
+          </a:p>
+          <a:p>
+            <a:r>
+              <a:rPr lang="en-US" dirty="0"/>
+              <a:t>&lt;/dependency&gt;</a:t>
+            </a:r>
+          </a:p>
+          <a:p>
+            <a:r>
+              <a:rPr lang="en-US" dirty="0"/>
+              <a:t>&lt;dependency&gt;</a:t>
+            </a:r>
+          </a:p>
+          <a:p>
+            <a:r>
+              <a:rPr lang="en-US" dirty="0"/>
+              <a:t>&lt;</a:t>
+            </a:r>
+            <a:r>
+              <a:rPr lang="en-US" dirty="0" err="1"/>
+              <a:t>groupId</a:t>
+            </a:r>
+            <a:r>
+              <a:rPr lang="en-US" dirty="0"/>
+              <a:t>&gt;org.slf4j&lt;/</a:t>
+            </a:r>
+            <a:r>
+              <a:rPr lang="en-US" dirty="0" err="1"/>
+              <a:t>groupId</a:t>
+            </a:r>
+            <a:r>
+              <a:rPr lang="en-US" dirty="0"/>
+              <a:t>&gt;</a:t>
+            </a:r>
+          </a:p>
+          <a:p>
+            <a:r>
+              <a:rPr lang="en-US" dirty="0"/>
+              <a:t>&lt;</a:t>
+            </a:r>
+            <a:r>
+              <a:rPr lang="en-US" dirty="0" err="1"/>
+              <a:t>artifactId</a:t>
+            </a:r>
+            <a:r>
+              <a:rPr lang="en-US" dirty="0"/>
+              <a:t>&gt;</a:t>
+            </a:r>
+            <a:r>
+              <a:rPr lang="en-US" u="sng" dirty="0"/>
+              <a:t>jcl-over-slf4j&lt;/</a:t>
+            </a:r>
+            <a:r>
+              <a:rPr lang="en-US" u="sng" dirty="0" err="1"/>
+              <a:t>artifactId</a:t>
+            </a:r>
+            <a:r>
+              <a:rPr lang="en-US" u="sng" dirty="0"/>
+              <a:t>&gt;</a:t>
+            </a:r>
+          </a:p>
+          <a:p>
+            <a:r>
+              <a:rPr lang="en-US" dirty="0"/>
+              <a:t>&lt;version&gt;1.5.11&lt;/version&gt;</a:t>
+            </a:r>
+          </a:p>
+          <a:p>
+            <a:r>
+              <a:rPr lang="en-US" dirty="0"/>
+              <a:t>&lt;/dependency&gt;</a:t>
+            </a:r>
+          </a:p>
+          <a:p>
+            <a:r>
+              <a:rPr lang="en-US" dirty="0"/>
+              <a:t>&lt;dependency&gt;</a:t>
+            </a:r>
+          </a:p>
+          <a:p>
+            <a:r>
+              <a:rPr lang="en-US" dirty="0"/>
+              <a:t>&lt;</a:t>
+            </a:r>
+            <a:r>
+              <a:rPr lang="en-US" dirty="0" err="1"/>
+              <a:t>groupId</a:t>
+            </a:r>
+            <a:r>
+              <a:rPr lang="en-US" dirty="0"/>
+              <a:t>&gt;org.slf4j&lt;/</a:t>
+            </a:r>
+            <a:r>
+              <a:rPr lang="en-US" dirty="0" err="1"/>
+              <a:t>groupId</a:t>
+            </a:r>
+            <a:r>
+              <a:rPr lang="en-US" dirty="0"/>
+              <a:t>&gt;</a:t>
+            </a:r>
+          </a:p>
+          <a:p>
+            <a:r>
+              <a:rPr lang="en-US" dirty="0"/>
+              <a:t>&lt;</a:t>
+            </a:r>
+            <a:r>
+              <a:rPr lang="en-US" dirty="0" err="1"/>
+              <a:t>artifactId</a:t>
+            </a:r>
+            <a:r>
+              <a:rPr lang="en-US" dirty="0"/>
+              <a:t>&gt;log4j-over-slf4j&lt;/</a:t>
+            </a:r>
+            <a:r>
+              <a:rPr lang="en-US" dirty="0" err="1"/>
+              <a:t>artifactId</a:t>
+            </a:r>
+            <a:r>
+              <a:rPr lang="en-US" dirty="0"/>
+              <a:t>&gt;</a:t>
+            </a:r>
+          </a:p>
+          <a:p>
+            <a:r>
+              <a:rPr lang="en-US" dirty="0"/>
+              <a:t>&lt;version&gt;1.5.11&lt;/version&gt;</a:t>
+            </a:r>
+          </a:p>
+          <a:p>
+            <a:r>
+              <a:rPr lang="en-US" dirty="0"/>
+              <a:t>&lt;/dependency&gt;</a:t>
+            </a:r>
+          </a:p>
+          <a:p>
+            <a:r>
+              <a:rPr lang="en-US" dirty="0"/>
+              <a:t>&lt;dependency&gt;</a:t>
+            </a:r>
+          </a:p>
+          <a:p>
+            <a:r>
+              <a:rPr lang="en-US" dirty="0"/>
+              <a:t>&lt;</a:t>
+            </a:r>
+            <a:r>
+              <a:rPr lang="en-US" dirty="0" err="1"/>
+              <a:t>groupId</a:t>
+            </a:r>
+            <a:r>
+              <a:rPr lang="en-US" dirty="0"/>
+              <a:t>&gt;org.slf4j&lt;/</a:t>
+            </a:r>
+            <a:r>
+              <a:rPr lang="en-US" dirty="0" err="1"/>
+              <a:t>groupId</a:t>
+            </a:r>
+            <a:r>
+              <a:rPr lang="en-US" dirty="0"/>
+              <a:t>&gt;</a:t>
+            </a:r>
+          </a:p>
+          <a:p>
+            <a:r>
+              <a:rPr lang="en-US" dirty="0"/>
+              <a:t>&lt;</a:t>
+            </a:r>
+            <a:r>
+              <a:rPr lang="en-US" dirty="0" err="1"/>
+              <a:t>artifactId</a:t>
+            </a:r>
+            <a:r>
+              <a:rPr lang="en-US" dirty="0"/>
               <a:t>&gt;</a:t>
             </a:r>
             <a:r>
@@ -4116,6 +4301,84 @@
           <a:p>
             <a:r>
               <a:rPr lang="en-US" dirty="0"/>
+              <a:t>&lt;dependency&gt;</a:t>
+            </a:r>
+          </a:p>
+          <a:p>
+            <a:r>
+              <a:rPr lang="en-US" dirty="0"/>
+              <a:t>&lt;</a:t>
+            </a:r>
+            <a:r>
+              <a:rPr lang="en-US" dirty="0" err="1"/>
+              <a:t>groupId</a:t>
+            </a:r>
+            <a:r>
+              <a:rPr lang="en-US" dirty="0"/>
+              <a:t>&gt;</a:t>
+            </a:r>
+            <a:r>
+              <a:rPr lang="en-US" dirty="0" err="1"/>
+              <a:t>ch.qos.logback</a:t>
+            </a:r>
+            <a:r>
+              <a:rPr lang="en-US" dirty="0"/>
+              <a:t>&lt;/</a:t>
+            </a:r>
+            <a:r>
+              <a:rPr lang="en-US" dirty="0" err="1"/>
+              <a:t>groupId</a:t>
+            </a:r>
+            <a:r>
+              <a:rPr lang="en-US" dirty="0"/>
+              <a:t>&gt;</a:t>
+            </a:r>
+          </a:p>
+          <a:p>
+            <a:r>
+              <a:rPr lang="en-US" dirty="0"/>
+              <a:t>&lt;</a:t>
+            </a:r>
+            <a:r>
+              <a:rPr lang="en-US" dirty="0" err="1"/>
+              <a:t>artifactId</a:t>
+            </a:r>
+            <a:r>
+              <a:rPr lang="en-US" dirty="0"/>
+              <a:t>&gt;</a:t>
+            </a:r>
+            <a:r>
+              <a:rPr lang="en-US" u="sng" dirty="0" err="1"/>
+              <a:t>logback</a:t>
+            </a:r>
+            <a:r>
+              <a:rPr lang="en-US" u="sng" dirty="0"/>
+              <a:t>-classic&lt;/</a:t>
+            </a:r>
+            <a:r>
+              <a:rPr lang="en-US" u="sng" dirty="0" err="1"/>
+              <a:t>artifactId</a:t>
+            </a:r>
+            <a:r>
+              <a:rPr lang="en-US" u="sng" dirty="0"/>
+              <a:t>&gt;</a:t>
+            </a:r>
+          </a:p>
+          <a:p>
+            <a:r>
+              <a:rPr lang="en-US" dirty="0"/>
+              <a:t>&lt;version&gt;0.9.20&lt;/version&gt;</a:t>
+            </a:r>
+          </a:p>
+          <a:p>
+            <a:r>
+              <a:rPr lang="en-US" dirty="0"/>
+              <a:t>&lt;/dependency&gt;</a:t>
+            </a:r>
+          </a:p>
+          <a:p>
+            <a:r>
+              <a:rPr lang="en-US" dirty="0"/>
               <a:t>&lt;/dependencies&gt;</a:t>
             </a:r>
           </a:p>
@@ -4129,7 +4392,7 @@
               <a:t>dependencyManagement</a:t>
             </a:r>
             <a:r>
-              <a:rPr lang="en-US" dirty="0"/>
+              <a:rPr lang="en-US"/>
               <a:t>&gt;</a:t>
             </a:r>
             <a:endParaRPr lang="en-US" dirty="0"/>

--- a/ormRevEng.pptx
+++ b/ormRevEng.pptx
@@ -12,8 +12,17 @@
     <p:sldId id="259" r:id="rId6"/>
     <p:sldId id="261" r:id="rId7"/>
     <p:sldId id="262" r:id="rId8"/>
-    <p:sldId id="263" r:id="rId9"/>
-    <p:sldId id="264" r:id="rId10"/>
+    <p:sldId id="265" r:id="rId9"/>
+    <p:sldId id="263" r:id="rId10"/>
+    <p:sldId id="264" r:id="rId11"/>
+    <p:sldId id="266" r:id="rId12"/>
+    <p:sldId id="268" r:id="rId13"/>
+    <p:sldId id="269" r:id="rId14"/>
+    <p:sldId id="267" r:id="rId15"/>
+    <p:sldId id="270" r:id="rId16"/>
+    <p:sldId id="271" r:id="rId17"/>
+    <p:sldId id="272" r:id="rId18"/>
+    <p:sldId id="273" r:id="rId19"/>
   </p:sldIdLst>
   <p:sldSz cx="9144000" cy="6858000" type="screen4x3"/>
   <p:notesSz cx="6858000" cy="9144000"/>
@@ -3132,6 +3141,1071 @@
 </p:sld>
 </file>
 
+<file path=ppt/slides/slide10.xml><?xml version="1.0" encoding="utf-8"?>
+<p:sld xmlns:a="http://schemas.openxmlformats.org/drawingml/2006/main" xmlns:r="http://schemas.openxmlformats.org/officeDocument/2006/relationships" xmlns:p="http://schemas.openxmlformats.org/presentationml/2006/main">
+  <p:cSld>
+    <p:spTree>
+      <p:nvGrpSpPr>
+        <p:cNvPr id="1" name=""/>
+        <p:cNvGrpSpPr/>
+        <p:nvPr/>
+      </p:nvGrpSpPr>
+      <p:grpSpPr>
+        <a:xfrm>
+          <a:off x="0" y="0"/>
+          <a:ext cx="0" cy="0"/>
+          <a:chOff x="0" y="0"/>
+          <a:chExt cx="0" cy="0"/>
+        </a:xfrm>
+      </p:grpSpPr>
+      <p:sp>
+        <p:nvSpPr>
+          <p:cNvPr id="2" name="Title 1"/>
+          <p:cNvSpPr>
+            <a:spLocks noGrp="1"/>
+          </p:cNvSpPr>
+          <p:nvPr>
+            <p:ph type="title"/>
+          </p:nvPr>
+        </p:nvSpPr>
+        <p:spPr/>
+        <p:txBody>
+          <a:bodyPr/>
+          <a:lstStyle/>
+          <a:p>
+            <a:r>
+              <a:rPr lang="en-US" dirty="0" smtClean="0"/>
+              <a:t>With the plugin…</a:t>
+            </a:r>
+            <a:endParaRPr lang="en-US" dirty="0"/>
+          </a:p>
+        </p:txBody>
+      </p:sp>
+      <p:sp>
+        <p:nvSpPr>
+          <p:cNvPr id="3" name="Content Placeholder 2"/>
+          <p:cNvSpPr>
+            <a:spLocks noGrp="1"/>
+          </p:cNvSpPr>
+          <p:nvPr>
+            <p:ph idx="1"/>
+          </p:nvPr>
+        </p:nvSpPr>
+        <p:spPr/>
+        <p:txBody>
+          <a:bodyPr/>
+          <a:lstStyle/>
+          <a:p>
+            <a:r>
+              <a:rPr lang="en-US" dirty="0" smtClean="0"/>
+              <a:t>You have a Hibernate View</a:t>
+            </a:r>
+          </a:p>
+          <a:p>
+            <a:endParaRPr lang="en-US" dirty="0"/>
+          </a:p>
+        </p:txBody>
+      </p:sp>
+      <p:pic>
+        <p:nvPicPr>
+          <p:cNvPr id="2050" name="Picture 2"/>
+          <p:cNvPicPr>
+            <a:picLocks noChangeAspect="1" noChangeArrowheads="1"/>
+          </p:cNvPicPr>
+          <p:nvPr/>
+        </p:nvPicPr>
+        <p:blipFill>
+          <a:blip r:embed="rId2">
+            <a:extLst>
+              <a:ext uri="{28A0092B-C50C-407E-A947-70E740481C1C}">
+                <a14:useLocalDpi xmlns:a14="http://schemas.microsoft.com/office/drawing/2010/main" val="0"/>
+              </a:ext>
+            </a:extLst>
+          </a:blip>
+          <a:srcRect/>
+          <a:stretch>
+            <a:fillRect/>
+          </a:stretch>
+        </p:blipFill>
+        <p:spPr bwMode="auto">
+          <a:xfrm>
+            <a:off x="1885950" y="2514600"/>
+            <a:ext cx="3461572" cy="4081463"/>
+          </a:xfrm>
+          <a:prstGeom prst="rect">
+            <a:avLst/>
+          </a:prstGeom>
+          <a:noFill/>
+          <a:ln>
+            <a:noFill/>
+          </a:ln>
+          <a:effectLst/>
+          <a:extLst>
+            <a:ext uri="{909E8E84-426E-40DD-AFC4-6F175D3DCCD1}">
+              <a14:hiddenFill xmlns:a14="http://schemas.microsoft.com/office/drawing/2010/main">
+                <a:solidFill>
+                  <a:schemeClr val="accent1"/>
+                </a:solidFill>
+              </a14:hiddenFill>
+            </a:ext>
+            <a:ext uri="{91240B29-F687-4F45-9708-019B960494DF}">
+              <a14:hiddenLine xmlns:a14="http://schemas.microsoft.com/office/drawing/2010/main" w="9525">
+                <a:solidFill>
+                  <a:schemeClr val="tx1"/>
+                </a:solidFill>
+                <a:miter lim="800000"/>
+                <a:headEnd/>
+                <a:tailEnd/>
+              </a14:hiddenLine>
+            </a:ext>
+            <a:ext uri="{AF507438-7753-43E0-B8FC-AC1667EBCBE1}">
+              <a14:hiddenEffects xmlns:a14="http://schemas.microsoft.com/office/drawing/2010/main">
+                <a:effectLst>
+                  <a:outerShdw dist="35921" dir="2700000" algn="ctr" rotWithShape="0">
+                    <a:schemeClr val="bg2"/>
+                  </a:outerShdw>
+                </a:effectLst>
+              </a14:hiddenEffects>
+            </a:ext>
+          </a:extLst>
+        </p:spPr>
+      </p:pic>
+    </p:spTree>
+    <p:extLst>
+      <p:ext uri="{BB962C8B-B14F-4D97-AF65-F5344CB8AC3E}">
+        <p14:creationId xmlns:p14="http://schemas.microsoft.com/office/powerpoint/2010/main" val="599935230"/>
+      </p:ext>
+    </p:extLst>
+  </p:cSld>
+  <p:clrMapOvr>
+    <a:masterClrMapping/>
+  </p:clrMapOvr>
+</p:sld>
+</file>
+
+<file path=ppt/slides/slide11.xml><?xml version="1.0" encoding="utf-8"?>
+<p:sld xmlns:a="http://schemas.openxmlformats.org/drawingml/2006/main" xmlns:r="http://schemas.openxmlformats.org/officeDocument/2006/relationships" xmlns:p="http://schemas.openxmlformats.org/presentationml/2006/main">
+  <p:cSld>
+    <p:spTree>
+      <p:nvGrpSpPr>
+        <p:cNvPr id="1" name=""/>
+        <p:cNvGrpSpPr/>
+        <p:nvPr/>
+      </p:nvGrpSpPr>
+      <p:grpSpPr>
+        <a:xfrm>
+          <a:off x="0" y="0"/>
+          <a:ext cx="0" cy="0"/>
+          <a:chOff x="0" y="0"/>
+          <a:chExt cx="0" cy="0"/>
+        </a:xfrm>
+      </p:grpSpPr>
+      <p:sp>
+        <p:nvSpPr>
+          <p:cNvPr id="2" name="Title 1"/>
+          <p:cNvSpPr>
+            <a:spLocks noGrp="1"/>
+          </p:cNvSpPr>
+          <p:nvPr>
+            <p:ph type="title"/>
+          </p:nvPr>
+        </p:nvSpPr>
+        <p:spPr/>
+        <p:txBody>
+          <a:bodyPr/>
+          <a:lstStyle/>
+          <a:p>
+            <a:r>
+              <a:rPr lang="en-US" dirty="0" smtClean="0"/>
+              <a:t>More of the Plugin…</a:t>
+            </a:r>
+            <a:endParaRPr lang="en-US" dirty="0"/>
+          </a:p>
+        </p:txBody>
+      </p:sp>
+      <p:pic>
+        <p:nvPicPr>
+          <p:cNvPr id="3074" name="Picture 2"/>
+          <p:cNvPicPr>
+            <a:picLocks noGrp="1" noChangeAspect="1" noChangeArrowheads="1"/>
+          </p:cNvPicPr>
+          <p:nvPr>
+            <p:ph idx="1"/>
+          </p:nvPr>
+        </p:nvPicPr>
+        <p:blipFill>
+          <a:blip r:embed="rId2">
+            <a:extLst>
+              <a:ext uri="{28A0092B-C50C-407E-A947-70E740481C1C}">
+                <a14:useLocalDpi xmlns:a14="http://schemas.microsoft.com/office/drawing/2010/main" val="0"/>
+              </a:ext>
+            </a:extLst>
+          </a:blip>
+          <a:srcRect/>
+          <a:stretch>
+            <a:fillRect/>
+          </a:stretch>
+        </p:blipFill>
+        <p:spPr bwMode="auto">
+          <a:xfrm>
+            <a:off x="2763681" y="1600200"/>
+            <a:ext cx="3616637" cy="4525963"/>
+          </a:xfrm>
+          <a:prstGeom prst="rect">
+            <a:avLst/>
+          </a:prstGeom>
+          <a:noFill/>
+          <a:ln>
+            <a:noFill/>
+          </a:ln>
+          <a:effectLst/>
+          <a:extLst>
+            <a:ext uri="{909E8E84-426E-40DD-AFC4-6F175D3DCCD1}">
+              <a14:hiddenFill xmlns:a14="http://schemas.microsoft.com/office/drawing/2010/main">
+                <a:solidFill>
+                  <a:schemeClr val="accent1"/>
+                </a:solidFill>
+              </a14:hiddenFill>
+            </a:ext>
+            <a:ext uri="{91240B29-F687-4F45-9708-019B960494DF}">
+              <a14:hiddenLine xmlns:a14="http://schemas.microsoft.com/office/drawing/2010/main" w="9525">
+                <a:solidFill>
+                  <a:schemeClr val="tx1"/>
+                </a:solidFill>
+                <a:miter lim="800000"/>
+                <a:headEnd/>
+                <a:tailEnd/>
+              </a14:hiddenLine>
+            </a:ext>
+            <a:ext uri="{AF507438-7753-43E0-B8FC-AC1667EBCBE1}">
+              <a14:hiddenEffects xmlns:a14="http://schemas.microsoft.com/office/drawing/2010/main">
+                <a:effectLst>
+                  <a:outerShdw dist="35921" dir="2700000" algn="ctr" rotWithShape="0">
+                    <a:schemeClr val="bg2"/>
+                  </a:outerShdw>
+                </a:effectLst>
+              </a14:hiddenEffects>
+            </a:ext>
+          </a:extLst>
+        </p:spPr>
+      </p:pic>
+    </p:spTree>
+    <p:extLst>
+      <p:ext uri="{BB962C8B-B14F-4D97-AF65-F5344CB8AC3E}">
+        <p14:creationId xmlns:p14="http://schemas.microsoft.com/office/powerpoint/2010/main" val="3716266301"/>
+      </p:ext>
+    </p:extLst>
+  </p:cSld>
+  <p:clrMapOvr>
+    <a:masterClrMapping/>
+  </p:clrMapOvr>
+</p:sld>
+</file>
+
+<file path=ppt/slides/slide12.xml><?xml version="1.0" encoding="utf-8"?>
+<p:sld xmlns:a="http://schemas.openxmlformats.org/drawingml/2006/main" xmlns:r="http://schemas.openxmlformats.org/officeDocument/2006/relationships" xmlns:p="http://schemas.openxmlformats.org/presentationml/2006/main">
+  <p:cSld>
+    <p:spTree>
+      <p:nvGrpSpPr>
+        <p:cNvPr id="1" name=""/>
+        <p:cNvGrpSpPr/>
+        <p:nvPr/>
+      </p:nvGrpSpPr>
+      <p:grpSpPr>
+        <a:xfrm>
+          <a:off x="0" y="0"/>
+          <a:ext cx="0" cy="0"/>
+          <a:chOff x="0" y="0"/>
+          <a:chExt cx="0" cy="0"/>
+        </a:xfrm>
+      </p:grpSpPr>
+      <p:sp>
+        <p:nvSpPr>
+          <p:cNvPr id="2" name="Title 1"/>
+          <p:cNvSpPr>
+            <a:spLocks noGrp="1"/>
+          </p:cNvSpPr>
+          <p:nvPr>
+            <p:ph type="title"/>
+          </p:nvPr>
+        </p:nvSpPr>
+        <p:spPr/>
+        <p:txBody>
+          <a:bodyPr>
+            <a:normAutofit fontScale="90000"/>
+          </a:bodyPr>
+          <a:lstStyle/>
+          <a:p>
+            <a:r>
+              <a:rPr lang="en-US" dirty="0" smtClean="0"/>
+              <a:t>If the MySQL Driver doesn’t show up…</a:t>
+            </a:r>
+            <a:endParaRPr lang="en-US" dirty="0"/>
+          </a:p>
+        </p:txBody>
+      </p:sp>
+      <p:pic>
+        <p:nvPicPr>
+          <p:cNvPr id="5122" name="Picture 2"/>
+          <p:cNvPicPr>
+            <a:picLocks noGrp="1" noChangeAspect="1" noChangeArrowheads="1"/>
+          </p:cNvPicPr>
+          <p:nvPr>
+            <p:ph idx="1"/>
+          </p:nvPr>
+        </p:nvPicPr>
+        <p:blipFill>
+          <a:blip r:embed="rId2">
+            <a:extLst>
+              <a:ext uri="{28A0092B-C50C-407E-A947-70E740481C1C}">
+                <a14:useLocalDpi xmlns:a14="http://schemas.microsoft.com/office/drawing/2010/main" val="0"/>
+              </a:ext>
+            </a:extLst>
+          </a:blip>
+          <a:srcRect/>
+          <a:stretch>
+            <a:fillRect/>
+          </a:stretch>
+        </p:blipFill>
+        <p:spPr bwMode="auto">
+          <a:xfrm>
+            <a:off x="1856423" y="1600201"/>
+            <a:ext cx="5611177" cy="4675980"/>
+          </a:xfrm>
+          <a:prstGeom prst="rect">
+            <a:avLst/>
+          </a:prstGeom>
+          <a:noFill/>
+          <a:ln>
+            <a:noFill/>
+          </a:ln>
+          <a:effectLst/>
+          <a:extLst>
+            <a:ext uri="{909E8E84-426E-40DD-AFC4-6F175D3DCCD1}">
+              <a14:hiddenFill xmlns:a14="http://schemas.microsoft.com/office/drawing/2010/main">
+                <a:solidFill>
+                  <a:schemeClr val="accent1"/>
+                </a:solidFill>
+              </a14:hiddenFill>
+            </a:ext>
+            <a:ext uri="{91240B29-F687-4F45-9708-019B960494DF}">
+              <a14:hiddenLine xmlns:a14="http://schemas.microsoft.com/office/drawing/2010/main" w="9525">
+                <a:solidFill>
+                  <a:schemeClr val="tx1"/>
+                </a:solidFill>
+                <a:miter lim="800000"/>
+                <a:headEnd/>
+                <a:tailEnd/>
+              </a14:hiddenLine>
+            </a:ext>
+            <a:ext uri="{AF507438-7753-43E0-B8FC-AC1667EBCBE1}">
+              <a14:hiddenEffects xmlns:a14="http://schemas.microsoft.com/office/drawing/2010/main">
+                <a:effectLst>
+                  <a:outerShdw dist="35921" dir="2700000" algn="ctr" rotWithShape="0">
+                    <a:schemeClr val="bg2"/>
+                  </a:outerShdw>
+                </a:effectLst>
+              </a14:hiddenEffects>
+            </a:ext>
+          </a:extLst>
+        </p:spPr>
+      </p:pic>
+    </p:spTree>
+    <p:extLst>
+      <p:ext uri="{BB962C8B-B14F-4D97-AF65-F5344CB8AC3E}">
+        <p14:creationId xmlns:p14="http://schemas.microsoft.com/office/powerpoint/2010/main" val="3468478856"/>
+      </p:ext>
+    </p:extLst>
+  </p:cSld>
+  <p:clrMapOvr>
+    <a:masterClrMapping/>
+  </p:clrMapOvr>
+</p:sld>
+</file>
+
+<file path=ppt/slides/slide13.xml><?xml version="1.0" encoding="utf-8"?>
+<p:sld xmlns:a="http://schemas.openxmlformats.org/drawingml/2006/main" xmlns:r="http://schemas.openxmlformats.org/officeDocument/2006/relationships" xmlns:p="http://schemas.openxmlformats.org/presentationml/2006/main">
+  <p:cSld>
+    <p:spTree>
+      <p:nvGrpSpPr>
+        <p:cNvPr id="1" name=""/>
+        <p:cNvGrpSpPr/>
+        <p:nvPr/>
+      </p:nvGrpSpPr>
+      <p:grpSpPr>
+        <a:xfrm>
+          <a:off x="0" y="0"/>
+          <a:ext cx="0" cy="0"/>
+          <a:chOff x="0" y="0"/>
+          <a:chExt cx="0" cy="0"/>
+        </a:xfrm>
+      </p:grpSpPr>
+      <p:sp>
+        <p:nvSpPr>
+          <p:cNvPr id="2" name="Title 1"/>
+          <p:cNvSpPr>
+            <a:spLocks noGrp="1"/>
+          </p:cNvSpPr>
+          <p:nvPr>
+            <p:ph type="title"/>
+          </p:nvPr>
+        </p:nvSpPr>
+        <p:spPr/>
+        <p:txBody>
+          <a:bodyPr/>
+          <a:lstStyle/>
+          <a:p>
+            <a:r>
+              <a:rPr lang="en-US" dirty="0" smtClean="0"/>
+              <a:t>And then…</a:t>
+            </a:r>
+            <a:endParaRPr lang="en-US" dirty="0"/>
+          </a:p>
+        </p:txBody>
+      </p:sp>
+      <p:pic>
+        <p:nvPicPr>
+          <p:cNvPr id="6146" name="Picture 2"/>
+          <p:cNvPicPr>
+            <a:picLocks noGrp="1" noChangeAspect="1" noChangeArrowheads="1"/>
+          </p:cNvPicPr>
+          <p:nvPr>
+            <p:ph idx="1"/>
+          </p:nvPr>
+        </p:nvPicPr>
+        <p:blipFill>
+          <a:blip r:embed="rId2">
+            <a:extLst>
+              <a:ext uri="{28A0092B-C50C-407E-A947-70E740481C1C}">
+                <a14:useLocalDpi xmlns:a14="http://schemas.microsoft.com/office/drawing/2010/main" val="0"/>
+              </a:ext>
+            </a:extLst>
+          </a:blip>
+          <a:srcRect/>
+          <a:stretch>
+            <a:fillRect/>
+          </a:stretch>
+        </p:blipFill>
+        <p:spPr bwMode="auto">
+          <a:xfrm>
+            <a:off x="1856422" y="1600200"/>
+            <a:ext cx="5431155" cy="4525963"/>
+          </a:xfrm>
+          <a:prstGeom prst="rect">
+            <a:avLst/>
+          </a:prstGeom>
+          <a:noFill/>
+          <a:ln>
+            <a:noFill/>
+          </a:ln>
+          <a:effectLst/>
+          <a:extLst>
+            <a:ext uri="{909E8E84-426E-40DD-AFC4-6F175D3DCCD1}">
+              <a14:hiddenFill xmlns:a14="http://schemas.microsoft.com/office/drawing/2010/main">
+                <a:solidFill>
+                  <a:schemeClr val="accent1"/>
+                </a:solidFill>
+              </a14:hiddenFill>
+            </a:ext>
+            <a:ext uri="{91240B29-F687-4F45-9708-019B960494DF}">
+              <a14:hiddenLine xmlns:a14="http://schemas.microsoft.com/office/drawing/2010/main" w="9525">
+                <a:solidFill>
+                  <a:schemeClr val="tx1"/>
+                </a:solidFill>
+                <a:miter lim="800000"/>
+                <a:headEnd/>
+                <a:tailEnd/>
+              </a14:hiddenLine>
+            </a:ext>
+            <a:ext uri="{AF507438-7753-43E0-B8FC-AC1667EBCBE1}">
+              <a14:hiddenEffects xmlns:a14="http://schemas.microsoft.com/office/drawing/2010/main">
+                <a:effectLst>
+                  <a:outerShdw dist="35921" dir="2700000" algn="ctr" rotWithShape="0">
+                    <a:schemeClr val="bg2"/>
+                  </a:outerShdw>
+                </a:effectLst>
+              </a14:hiddenEffects>
+            </a:ext>
+          </a:extLst>
+        </p:spPr>
+      </p:pic>
+    </p:spTree>
+    <p:extLst>
+      <p:ext uri="{BB962C8B-B14F-4D97-AF65-F5344CB8AC3E}">
+        <p14:creationId xmlns:p14="http://schemas.microsoft.com/office/powerpoint/2010/main" val="830220439"/>
+      </p:ext>
+    </p:extLst>
+  </p:cSld>
+  <p:clrMapOvr>
+    <a:masterClrMapping/>
+  </p:clrMapOvr>
+</p:sld>
+</file>
+
+<file path=ppt/slides/slide14.xml><?xml version="1.0" encoding="utf-8"?>
+<p:sld xmlns:a="http://schemas.openxmlformats.org/drawingml/2006/main" xmlns:r="http://schemas.openxmlformats.org/officeDocument/2006/relationships" xmlns:p="http://schemas.openxmlformats.org/presentationml/2006/main">
+  <p:cSld>
+    <p:spTree>
+      <p:nvGrpSpPr>
+        <p:cNvPr id="1" name=""/>
+        <p:cNvGrpSpPr/>
+        <p:nvPr/>
+      </p:nvGrpSpPr>
+      <p:grpSpPr>
+        <a:xfrm>
+          <a:off x="0" y="0"/>
+          <a:ext cx="0" cy="0"/>
+          <a:chOff x="0" y="0"/>
+          <a:chExt cx="0" cy="0"/>
+        </a:xfrm>
+      </p:grpSpPr>
+      <p:sp>
+        <p:nvSpPr>
+          <p:cNvPr id="2" name="Title 1"/>
+          <p:cNvSpPr>
+            <a:spLocks noGrp="1"/>
+          </p:cNvSpPr>
+          <p:nvPr>
+            <p:ph type="title"/>
+          </p:nvPr>
+        </p:nvSpPr>
+        <p:spPr/>
+        <p:txBody>
+          <a:bodyPr/>
+          <a:lstStyle/>
+          <a:p>
+            <a:r>
+              <a:rPr lang="en-US" dirty="0" smtClean="0"/>
+              <a:t>More of the Plugin…</a:t>
+            </a:r>
+            <a:endParaRPr lang="en-US" dirty="0"/>
+          </a:p>
+        </p:txBody>
+      </p:sp>
+      <p:pic>
+        <p:nvPicPr>
+          <p:cNvPr id="4098" name="Picture 2"/>
+          <p:cNvPicPr>
+            <a:picLocks noGrp="1" noChangeAspect="1" noChangeArrowheads="1"/>
+          </p:cNvPicPr>
+          <p:nvPr>
+            <p:ph idx="1"/>
+          </p:nvPr>
+        </p:nvPicPr>
+        <p:blipFill>
+          <a:blip r:embed="rId2">
+            <a:extLst>
+              <a:ext uri="{28A0092B-C50C-407E-A947-70E740481C1C}">
+                <a14:useLocalDpi xmlns:a14="http://schemas.microsoft.com/office/drawing/2010/main" val="0"/>
+              </a:ext>
+            </a:extLst>
+          </a:blip>
+          <a:srcRect/>
+          <a:stretch>
+            <a:fillRect/>
+          </a:stretch>
+        </p:blipFill>
+        <p:spPr bwMode="auto">
+          <a:xfrm>
+            <a:off x="1652024" y="1600200"/>
+            <a:ext cx="5839952" cy="4525963"/>
+          </a:xfrm>
+          <a:prstGeom prst="rect">
+            <a:avLst/>
+          </a:prstGeom>
+          <a:noFill/>
+          <a:ln>
+            <a:noFill/>
+          </a:ln>
+          <a:effectLst/>
+          <a:extLst>
+            <a:ext uri="{909E8E84-426E-40DD-AFC4-6F175D3DCCD1}">
+              <a14:hiddenFill xmlns:a14="http://schemas.microsoft.com/office/drawing/2010/main">
+                <a:solidFill>
+                  <a:schemeClr val="accent1"/>
+                </a:solidFill>
+              </a14:hiddenFill>
+            </a:ext>
+            <a:ext uri="{91240B29-F687-4F45-9708-019B960494DF}">
+              <a14:hiddenLine xmlns:a14="http://schemas.microsoft.com/office/drawing/2010/main" w="9525">
+                <a:solidFill>
+                  <a:schemeClr val="tx1"/>
+                </a:solidFill>
+                <a:miter lim="800000"/>
+                <a:headEnd/>
+                <a:tailEnd/>
+              </a14:hiddenLine>
+            </a:ext>
+            <a:ext uri="{AF507438-7753-43E0-B8FC-AC1667EBCBE1}">
+              <a14:hiddenEffects xmlns:a14="http://schemas.microsoft.com/office/drawing/2010/main">
+                <a:effectLst>
+                  <a:outerShdw dist="35921" dir="2700000" algn="ctr" rotWithShape="0">
+                    <a:schemeClr val="bg2"/>
+                  </a:outerShdw>
+                </a:effectLst>
+              </a14:hiddenEffects>
+            </a:ext>
+          </a:extLst>
+        </p:spPr>
+      </p:pic>
+    </p:spTree>
+    <p:extLst>
+      <p:ext uri="{BB962C8B-B14F-4D97-AF65-F5344CB8AC3E}">
+        <p14:creationId xmlns:p14="http://schemas.microsoft.com/office/powerpoint/2010/main" val="2049019172"/>
+      </p:ext>
+    </p:extLst>
+  </p:cSld>
+  <p:clrMapOvr>
+    <a:masterClrMapping/>
+  </p:clrMapOvr>
+</p:sld>
+</file>
+
+<file path=ppt/slides/slide15.xml><?xml version="1.0" encoding="utf-8"?>
+<p:sld xmlns:a="http://schemas.openxmlformats.org/drawingml/2006/main" xmlns:r="http://schemas.openxmlformats.org/officeDocument/2006/relationships" xmlns:p="http://schemas.openxmlformats.org/presentationml/2006/main">
+  <p:cSld>
+    <p:spTree>
+      <p:nvGrpSpPr>
+        <p:cNvPr id="1" name=""/>
+        <p:cNvGrpSpPr/>
+        <p:nvPr/>
+      </p:nvGrpSpPr>
+      <p:grpSpPr>
+        <a:xfrm>
+          <a:off x="0" y="0"/>
+          <a:ext cx="0" cy="0"/>
+          <a:chOff x="0" y="0"/>
+          <a:chExt cx="0" cy="0"/>
+        </a:xfrm>
+      </p:grpSpPr>
+      <p:sp>
+        <p:nvSpPr>
+          <p:cNvPr id="2" name="Title 1"/>
+          <p:cNvSpPr>
+            <a:spLocks noGrp="1"/>
+          </p:cNvSpPr>
+          <p:nvPr>
+            <p:ph type="title"/>
+          </p:nvPr>
+        </p:nvSpPr>
+        <p:spPr/>
+        <p:txBody>
+          <a:bodyPr/>
+          <a:lstStyle/>
+          <a:p>
+            <a:r>
+              <a:rPr lang="en-US" dirty="0" smtClean="0"/>
+              <a:t>Now for the Reverse Engineering</a:t>
+            </a:r>
+            <a:endParaRPr lang="en-US" dirty="0"/>
+          </a:p>
+        </p:txBody>
+      </p:sp>
+      <p:pic>
+        <p:nvPicPr>
+          <p:cNvPr id="7170" name="Picture 2"/>
+          <p:cNvPicPr>
+            <a:picLocks noGrp="1" noChangeAspect="1" noChangeArrowheads="1"/>
+          </p:cNvPicPr>
+          <p:nvPr>
+            <p:ph idx="1"/>
+          </p:nvPr>
+        </p:nvPicPr>
+        <p:blipFill>
+          <a:blip r:embed="rId2">
+            <a:extLst>
+              <a:ext uri="{28A0092B-C50C-407E-A947-70E740481C1C}">
+                <a14:useLocalDpi xmlns:a14="http://schemas.microsoft.com/office/drawing/2010/main" val="0"/>
+              </a:ext>
+            </a:extLst>
+          </a:blip>
+          <a:srcRect/>
+          <a:stretch>
+            <a:fillRect/>
+          </a:stretch>
+        </p:blipFill>
+        <p:spPr bwMode="auto">
+          <a:xfrm>
+            <a:off x="1970900" y="1600200"/>
+            <a:ext cx="5202200" cy="4525963"/>
+          </a:xfrm>
+          <a:prstGeom prst="rect">
+            <a:avLst/>
+          </a:prstGeom>
+          <a:noFill/>
+          <a:ln>
+            <a:noFill/>
+          </a:ln>
+          <a:effectLst/>
+          <a:extLst>
+            <a:ext uri="{909E8E84-426E-40DD-AFC4-6F175D3DCCD1}">
+              <a14:hiddenFill xmlns:a14="http://schemas.microsoft.com/office/drawing/2010/main">
+                <a:solidFill>
+                  <a:schemeClr val="accent1"/>
+                </a:solidFill>
+              </a14:hiddenFill>
+            </a:ext>
+            <a:ext uri="{91240B29-F687-4F45-9708-019B960494DF}">
+              <a14:hiddenLine xmlns:a14="http://schemas.microsoft.com/office/drawing/2010/main" w="9525">
+                <a:solidFill>
+                  <a:schemeClr val="tx1"/>
+                </a:solidFill>
+                <a:miter lim="800000"/>
+                <a:headEnd/>
+                <a:tailEnd/>
+              </a14:hiddenLine>
+            </a:ext>
+            <a:ext uri="{AF507438-7753-43E0-B8FC-AC1667EBCBE1}">
+              <a14:hiddenEffects xmlns:a14="http://schemas.microsoft.com/office/drawing/2010/main">
+                <a:effectLst>
+                  <a:outerShdw dist="35921" dir="2700000" algn="ctr" rotWithShape="0">
+                    <a:schemeClr val="bg2"/>
+                  </a:outerShdw>
+                </a:effectLst>
+              </a14:hiddenEffects>
+            </a:ext>
+          </a:extLst>
+        </p:spPr>
+      </p:pic>
+    </p:spTree>
+    <p:extLst>
+      <p:ext uri="{BB962C8B-B14F-4D97-AF65-F5344CB8AC3E}">
+        <p14:creationId xmlns:p14="http://schemas.microsoft.com/office/powerpoint/2010/main" val="2410569182"/>
+      </p:ext>
+    </p:extLst>
+  </p:cSld>
+  <p:clrMapOvr>
+    <a:masterClrMapping/>
+  </p:clrMapOvr>
+</p:sld>
+</file>
+
+<file path=ppt/slides/slide16.xml><?xml version="1.0" encoding="utf-8"?>
+<p:sld xmlns:a="http://schemas.openxmlformats.org/drawingml/2006/main" xmlns:r="http://schemas.openxmlformats.org/officeDocument/2006/relationships" xmlns:p="http://schemas.openxmlformats.org/presentationml/2006/main">
+  <p:cSld>
+    <p:spTree>
+      <p:nvGrpSpPr>
+        <p:cNvPr id="1" name=""/>
+        <p:cNvGrpSpPr/>
+        <p:nvPr/>
+      </p:nvGrpSpPr>
+      <p:grpSpPr>
+        <a:xfrm>
+          <a:off x="0" y="0"/>
+          <a:ext cx="0" cy="0"/>
+          <a:chOff x="0" y="0"/>
+          <a:chExt cx="0" cy="0"/>
+        </a:xfrm>
+      </p:grpSpPr>
+      <p:sp>
+        <p:nvSpPr>
+          <p:cNvPr id="2" name="Title 1"/>
+          <p:cNvSpPr>
+            <a:spLocks noGrp="1"/>
+          </p:cNvSpPr>
+          <p:nvPr>
+            <p:ph type="title"/>
+          </p:nvPr>
+        </p:nvSpPr>
+        <p:spPr/>
+        <p:txBody>
+          <a:bodyPr/>
+          <a:lstStyle/>
+          <a:p>
+            <a:r>
+              <a:rPr lang="en-US" dirty="0" smtClean="0"/>
+              <a:t>And …</a:t>
+            </a:r>
+            <a:endParaRPr lang="en-US" dirty="0"/>
+          </a:p>
+        </p:txBody>
+      </p:sp>
+      <p:pic>
+        <p:nvPicPr>
+          <p:cNvPr id="8194" name="Picture 2"/>
+          <p:cNvPicPr>
+            <a:picLocks noGrp="1" noChangeAspect="1" noChangeArrowheads="1"/>
+          </p:cNvPicPr>
+          <p:nvPr>
+            <p:ph idx="1"/>
+          </p:nvPr>
+        </p:nvPicPr>
+        <p:blipFill>
+          <a:blip r:embed="rId2">
+            <a:extLst>
+              <a:ext uri="{28A0092B-C50C-407E-A947-70E740481C1C}">
+                <a14:useLocalDpi xmlns:a14="http://schemas.microsoft.com/office/drawing/2010/main" val="0"/>
+              </a:ext>
+            </a:extLst>
+          </a:blip>
+          <a:srcRect/>
+          <a:stretch>
+            <a:fillRect/>
+          </a:stretch>
+        </p:blipFill>
+        <p:spPr bwMode="auto">
+          <a:xfrm>
+            <a:off x="1970900" y="1600200"/>
+            <a:ext cx="5202200" cy="4525963"/>
+          </a:xfrm>
+          <a:prstGeom prst="rect">
+            <a:avLst/>
+          </a:prstGeom>
+          <a:noFill/>
+          <a:ln>
+            <a:noFill/>
+          </a:ln>
+          <a:effectLst/>
+          <a:extLst>
+            <a:ext uri="{909E8E84-426E-40DD-AFC4-6F175D3DCCD1}">
+              <a14:hiddenFill xmlns:a14="http://schemas.microsoft.com/office/drawing/2010/main">
+                <a:solidFill>
+                  <a:schemeClr val="accent1"/>
+                </a:solidFill>
+              </a14:hiddenFill>
+            </a:ext>
+            <a:ext uri="{91240B29-F687-4F45-9708-019B960494DF}">
+              <a14:hiddenLine xmlns:a14="http://schemas.microsoft.com/office/drawing/2010/main" w="9525">
+                <a:solidFill>
+                  <a:schemeClr val="tx1"/>
+                </a:solidFill>
+                <a:miter lim="800000"/>
+                <a:headEnd/>
+                <a:tailEnd/>
+              </a14:hiddenLine>
+            </a:ext>
+            <a:ext uri="{AF507438-7753-43E0-B8FC-AC1667EBCBE1}">
+              <a14:hiddenEffects xmlns:a14="http://schemas.microsoft.com/office/drawing/2010/main">
+                <a:effectLst>
+                  <a:outerShdw dist="35921" dir="2700000" algn="ctr" rotWithShape="0">
+                    <a:schemeClr val="bg2"/>
+                  </a:outerShdw>
+                </a:effectLst>
+              </a14:hiddenEffects>
+            </a:ext>
+          </a:extLst>
+        </p:spPr>
+      </p:pic>
+    </p:spTree>
+    <p:extLst>
+      <p:ext uri="{BB962C8B-B14F-4D97-AF65-F5344CB8AC3E}">
+        <p14:creationId xmlns:p14="http://schemas.microsoft.com/office/powerpoint/2010/main" val="1528882603"/>
+      </p:ext>
+    </p:extLst>
+  </p:cSld>
+  <p:clrMapOvr>
+    <a:masterClrMapping/>
+  </p:clrMapOvr>
+</p:sld>
+</file>
+
+<file path=ppt/slides/slide17.xml><?xml version="1.0" encoding="utf-8"?>
+<p:sld xmlns:a="http://schemas.openxmlformats.org/drawingml/2006/main" xmlns:r="http://schemas.openxmlformats.org/officeDocument/2006/relationships" xmlns:p="http://schemas.openxmlformats.org/presentationml/2006/main">
+  <p:cSld>
+    <p:spTree>
+      <p:nvGrpSpPr>
+        <p:cNvPr id="1" name=""/>
+        <p:cNvGrpSpPr/>
+        <p:nvPr/>
+      </p:nvGrpSpPr>
+      <p:grpSpPr>
+        <a:xfrm>
+          <a:off x="0" y="0"/>
+          <a:ext cx="0" cy="0"/>
+          <a:chOff x="0" y="0"/>
+          <a:chExt cx="0" cy="0"/>
+        </a:xfrm>
+      </p:grpSpPr>
+      <p:sp>
+        <p:nvSpPr>
+          <p:cNvPr id="2" name="Title 1"/>
+          <p:cNvSpPr>
+            <a:spLocks noGrp="1"/>
+          </p:cNvSpPr>
+          <p:nvPr>
+            <p:ph type="title"/>
+          </p:nvPr>
+        </p:nvSpPr>
+        <p:spPr/>
+        <p:txBody>
+          <a:bodyPr/>
+          <a:lstStyle/>
+          <a:p>
+            <a:r>
+              <a:rPr lang="en-US" dirty="0" smtClean="0"/>
+              <a:t>And…</a:t>
+            </a:r>
+            <a:endParaRPr lang="en-US" dirty="0"/>
+          </a:p>
+        </p:txBody>
+      </p:sp>
+      <p:pic>
+        <p:nvPicPr>
+          <p:cNvPr id="9218" name="Picture 2"/>
+          <p:cNvPicPr>
+            <a:picLocks noGrp="1" noChangeAspect="1" noChangeArrowheads="1"/>
+          </p:cNvPicPr>
+          <p:nvPr>
+            <p:ph idx="1"/>
+          </p:nvPr>
+        </p:nvPicPr>
+        <p:blipFill>
+          <a:blip r:embed="rId2">
+            <a:extLst>
+              <a:ext uri="{28A0092B-C50C-407E-A947-70E740481C1C}">
+                <a14:useLocalDpi xmlns:a14="http://schemas.microsoft.com/office/drawing/2010/main" val="0"/>
+              </a:ext>
+            </a:extLst>
+          </a:blip>
+          <a:srcRect/>
+          <a:stretch>
+            <a:fillRect/>
+          </a:stretch>
+        </p:blipFill>
+        <p:spPr bwMode="auto">
+          <a:xfrm>
+            <a:off x="1970900" y="1600200"/>
+            <a:ext cx="5202200" cy="4525963"/>
+          </a:xfrm>
+          <a:prstGeom prst="rect">
+            <a:avLst/>
+          </a:prstGeom>
+          <a:noFill/>
+          <a:ln>
+            <a:noFill/>
+          </a:ln>
+          <a:effectLst/>
+          <a:extLst>
+            <a:ext uri="{909E8E84-426E-40DD-AFC4-6F175D3DCCD1}">
+              <a14:hiddenFill xmlns:a14="http://schemas.microsoft.com/office/drawing/2010/main">
+                <a:solidFill>
+                  <a:schemeClr val="accent1"/>
+                </a:solidFill>
+              </a14:hiddenFill>
+            </a:ext>
+            <a:ext uri="{91240B29-F687-4F45-9708-019B960494DF}">
+              <a14:hiddenLine xmlns:a14="http://schemas.microsoft.com/office/drawing/2010/main" w="9525">
+                <a:solidFill>
+                  <a:schemeClr val="tx1"/>
+                </a:solidFill>
+                <a:miter lim="800000"/>
+                <a:headEnd/>
+                <a:tailEnd/>
+              </a14:hiddenLine>
+            </a:ext>
+            <a:ext uri="{AF507438-7753-43E0-B8FC-AC1667EBCBE1}">
+              <a14:hiddenEffects xmlns:a14="http://schemas.microsoft.com/office/drawing/2010/main">
+                <a:effectLst>
+                  <a:outerShdw dist="35921" dir="2700000" algn="ctr" rotWithShape="0">
+                    <a:schemeClr val="bg2"/>
+                  </a:outerShdw>
+                </a:effectLst>
+              </a14:hiddenEffects>
+            </a:ext>
+          </a:extLst>
+        </p:spPr>
+      </p:pic>
+    </p:spTree>
+    <p:extLst>
+      <p:ext uri="{BB962C8B-B14F-4D97-AF65-F5344CB8AC3E}">
+        <p14:creationId xmlns:p14="http://schemas.microsoft.com/office/powerpoint/2010/main" val="270874856"/>
+      </p:ext>
+    </p:extLst>
+  </p:cSld>
+  <p:clrMapOvr>
+    <a:masterClrMapping/>
+  </p:clrMapOvr>
+</p:sld>
+</file>
+
+<file path=ppt/slides/slide18.xml><?xml version="1.0" encoding="utf-8"?>
+<p:sld xmlns:a="http://schemas.openxmlformats.org/drawingml/2006/main" xmlns:r="http://schemas.openxmlformats.org/officeDocument/2006/relationships" xmlns:p="http://schemas.openxmlformats.org/presentationml/2006/main">
+  <p:cSld>
+    <p:spTree>
+      <p:nvGrpSpPr>
+        <p:cNvPr id="1" name=""/>
+        <p:cNvGrpSpPr/>
+        <p:nvPr/>
+      </p:nvGrpSpPr>
+      <p:grpSpPr>
+        <a:xfrm>
+          <a:off x="0" y="0"/>
+          <a:ext cx="0" cy="0"/>
+          <a:chOff x="0" y="0"/>
+          <a:chExt cx="0" cy="0"/>
+        </a:xfrm>
+      </p:grpSpPr>
+      <p:sp>
+        <p:nvSpPr>
+          <p:cNvPr id="2" name="Title 1"/>
+          <p:cNvSpPr>
+            <a:spLocks noGrp="1"/>
+          </p:cNvSpPr>
+          <p:nvPr>
+            <p:ph type="title"/>
+          </p:nvPr>
+        </p:nvSpPr>
+        <p:spPr/>
+        <p:txBody>
+          <a:bodyPr/>
+          <a:lstStyle/>
+          <a:p>
+            <a:r>
+              <a:rPr lang="en-US" dirty="0" smtClean="0"/>
+              <a:t>Presto…</a:t>
+            </a:r>
+            <a:endParaRPr lang="en-US" dirty="0"/>
+          </a:p>
+        </p:txBody>
+      </p:sp>
+      <p:sp>
+        <p:nvSpPr>
+          <p:cNvPr id="3" name="Content Placeholder 2"/>
+          <p:cNvSpPr>
+            <a:spLocks noGrp="1"/>
+          </p:cNvSpPr>
+          <p:nvPr>
+            <p:ph idx="1"/>
+          </p:nvPr>
+        </p:nvSpPr>
+        <p:spPr/>
+        <p:txBody>
+          <a:bodyPr/>
+          <a:lstStyle/>
+          <a:p>
+            <a:r>
+              <a:rPr lang="en-US" dirty="0" smtClean="0"/>
+              <a:t>ca.bcit.comp2613.coursematerial.sakila.model has now been generated</a:t>
+            </a:r>
+          </a:p>
+          <a:p>
+            <a:r>
+              <a:rPr lang="en-US" smtClean="0"/>
+              <a:t>See SakilaTestDriver.java</a:t>
+            </a:r>
+            <a:endParaRPr lang="en-US" dirty="0" smtClean="0"/>
+          </a:p>
+          <a:p>
+            <a:endParaRPr lang="en-US" dirty="0" smtClean="0"/>
+          </a:p>
+          <a:p>
+            <a:endParaRPr lang="en-US" dirty="0"/>
+          </a:p>
+        </p:txBody>
+      </p:sp>
+    </p:spTree>
+    <p:extLst>
+      <p:ext uri="{BB962C8B-B14F-4D97-AF65-F5344CB8AC3E}">
+        <p14:creationId xmlns:p14="http://schemas.microsoft.com/office/powerpoint/2010/main" val="3703128518"/>
+      </p:ext>
+    </p:extLst>
+  </p:cSld>
+  <p:clrMapOvr>
+    <a:masterClrMapping/>
+  </p:clrMapOvr>
+</p:sld>
+</file>
+
 <file path=ppt/slides/slide2.xml><?xml version="1.0" encoding="utf-8"?>
 <p:sld xmlns:a="http://schemas.openxmlformats.org/drawingml/2006/main" xmlns:r="http://schemas.openxmlformats.org/officeDocument/2006/relationships" xmlns:p="http://schemas.openxmlformats.org/presentationml/2006/main">
   <p:cSld>
@@ -3982,427 +5056,82 @@
           <a:p>
             <a:r>
               <a:rPr lang="en-US" dirty="0" smtClean="0"/>
-              <a:t>Plugin is a bit buggy</a:t>
+              <a:t>Plugin (Eclipse Marketplace)</a:t>
             </a:r>
             <a:endParaRPr lang="en-US" dirty="0"/>
           </a:p>
         </p:txBody>
       </p:sp>
-      <p:sp>
-        <p:nvSpPr>
-          <p:cNvPr id="3" name="Content Placeholder 2"/>
-          <p:cNvSpPr>
-            <a:spLocks noGrp="1"/>
-          </p:cNvSpPr>
+      <p:pic>
+        <p:nvPicPr>
+          <p:cNvPr id="1026" name="Picture 2"/>
+          <p:cNvPicPr>
+            <a:picLocks noGrp="1" noChangeAspect="1" noChangeArrowheads="1"/>
+          </p:cNvPicPr>
           <p:nvPr>
             <p:ph idx="1"/>
           </p:nvPr>
-        </p:nvSpPr>
-        <p:spPr/>
-        <p:txBody>
-          <a:bodyPr>
-            <a:normAutofit fontScale="25000" lnSpcReduction="20000"/>
-          </a:bodyPr>
-          <a:lstStyle/>
-          <a:p>
-            <a:r>
-              <a:rPr lang="en-US" dirty="0" smtClean="0"/>
-              <a:t>Plugin uses an old version of slf4j … </a:t>
-            </a:r>
-            <a:r>
-              <a:rPr lang="en-US" dirty="0" err="1" smtClean="0"/>
-              <a:t>gotta</a:t>
-            </a:r>
-            <a:r>
-              <a:rPr lang="en-US" dirty="0" smtClean="0"/>
-              <a:t> match it with our pom.xml</a:t>
-            </a:r>
-          </a:p>
-          <a:p>
-            <a:r>
-              <a:rPr lang="en-US" dirty="0"/>
-              <a:t>&lt;</a:t>
-            </a:r>
-            <a:r>
-              <a:rPr lang="en-US" dirty="0" err="1"/>
-              <a:t>dependencyManagement</a:t>
-            </a:r>
-            <a:r>
-              <a:rPr lang="en-US" dirty="0"/>
-              <a:t>&gt;</a:t>
-            </a:r>
-          </a:p>
-          <a:p>
-            <a:r>
-              <a:rPr lang="en-US" dirty="0"/>
-              <a:t>&lt;dependencies&gt;</a:t>
-            </a:r>
-          </a:p>
-          <a:p>
-            <a:r>
-              <a:rPr lang="en-US" dirty="0"/>
-              <a:t>&lt;dependency&gt;</a:t>
-            </a:r>
-          </a:p>
-          <a:p>
-            <a:r>
-              <a:rPr lang="en-US" dirty="0"/>
-              <a:t>&lt;</a:t>
-            </a:r>
-            <a:r>
-              <a:rPr lang="en-US" dirty="0" err="1"/>
-              <a:t>groupId</a:t>
-            </a:r>
-            <a:r>
-              <a:rPr lang="en-US" dirty="0"/>
-              <a:t>&gt;org.slf4j&lt;/</a:t>
-            </a:r>
-            <a:r>
-              <a:rPr lang="en-US" dirty="0" err="1"/>
-              <a:t>groupId</a:t>
-            </a:r>
-            <a:r>
-              <a:rPr lang="en-US" dirty="0"/>
-              <a:t>&gt;</a:t>
-            </a:r>
-          </a:p>
-          <a:p>
-            <a:r>
-              <a:rPr lang="en-US" dirty="0"/>
-              <a:t>&lt;</a:t>
-            </a:r>
-            <a:r>
-              <a:rPr lang="en-US" dirty="0" err="1"/>
-              <a:t>artifactId</a:t>
-            </a:r>
-            <a:r>
-              <a:rPr lang="en-US" dirty="0"/>
-              <a:t>&gt;slf4j-</a:t>
-            </a:r>
-            <a:r>
-              <a:rPr lang="en-US" u="sng" dirty="0"/>
-              <a:t>api&lt;/</a:t>
-            </a:r>
-            <a:r>
-              <a:rPr lang="en-US" u="sng" dirty="0" err="1"/>
-              <a:t>artifactId</a:t>
-            </a:r>
-            <a:r>
-              <a:rPr lang="en-US" u="sng" dirty="0"/>
-              <a:t>&gt;</a:t>
-            </a:r>
-          </a:p>
-          <a:p>
-            <a:r>
-              <a:rPr lang="en-US" dirty="0"/>
-              <a:t>&lt;version&gt;1.5.11&lt;/version&gt;</a:t>
-            </a:r>
-          </a:p>
-          <a:p>
-            <a:r>
-              <a:rPr lang="en-US" dirty="0"/>
-              <a:t>&lt;/dependency&gt;</a:t>
-            </a:r>
-          </a:p>
-          <a:p>
-            <a:r>
-              <a:rPr lang="en-US" dirty="0"/>
-              <a:t>&lt;dependency&gt;</a:t>
-            </a:r>
-          </a:p>
-          <a:p>
-            <a:r>
-              <a:rPr lang="en-US" dirty="0"/>
-              <a:t>&lt;</a:t>
-            </a:r>
-            <a:r>
-              <a:rPr lang="en-US" dirty="0" err="1"/>
-              <a:t>groupId</a:t>
-            </a:r>
-            <a:r>
-              <a:rPr lang="en-US" dirty="0"/>
-              <a:t>&gt;org.slf4j&lt;/</a:t>
-            </a:r>
-            <a:r>
-              <a:rPr lang="en-US" dirty="0" err="1"/>
-              <a:t>groupId</a:t>
-            </a:r>
-            <a:r>
-              <a:rPr lang="en-US" dirty="0"/>
-              <a:t>&gt;</a:t>
-            </a:r>
-          </a:p>
-          <a:p>
-            <a:r>
-              <a:rPr lang="en-US" dirty="0"/>
-              <a:t>&lt;</a:t>
-            </a:r>
-            <a:r>
-              <a:rPr lang="en-US" dirty="0" err="1"/>
-              <a:t>artifactId</a:t>
-            </a:r>
-            <a:r>
-              <a:rPr lang="en-US" dirty="0"/>
-              <a:t>&gt;</a:t>
-            </a:r>
-            <a:r>
-              <a:rPr lang="en-US" u="sng" dirty="0"/>
-              <a:t>jcl-over-slf4j&lt;/</a:t>
-            </a:r>
-            <a:r>
-              <a:rPr lang="en-US" u="sng" dirty="0" err="1"/>
-              <a:t>artifactId</a:t>
-            </a:r>
-            <a:r>
-              <a:rPr lang="en-US" u="sng" dirty="0"/>
-              <a:t>&gt;</a:t>
-            </a:r>
-          </a:p>
-          <a:p>
-            <a:r>
-              <a:rPr lang="en-US" dirty="0"/>
-              <a:t>&lt;version&gt;1.5.11&lt;/version&gt;</a:t>
-            </a:r>
-          </a:p>
-          <a:p>
-            <a:r>
-              <a:rPr lang="en-US" dirty="0"/>
-              <a:t>&lt;/dependency&gt;</a:t>
-            </a:r>
-          </a:p>
-          <a:p>
-            <a:r>
-              <a:rPr lang="en-US" dirty="0"/>
-              <a:t>&lt;dependency&gt;</a:t>
-            </a:r>
-          </a:p>
-          <a:p>
-            <a:r>
-              <a:rPr lang="en-US" dirty="0"/>
-              <a:t>&lt;</a:t>
-            </a:r>
-            <a:r>
-              <a:rPr lang="en-US" dirty="0" err="1"/>
-              <a:t>groupId</a:t>
-            </a:r>
-            <a:r>
-              <a:rPr lang="en-US" dirty="0"/>
-              <a:t>&gt;org.slf4j&lt;/</a:t>
-            </a:r>
-            <a:r>
-              <a:rPr lang="en-US" dirty="0" err="1"/>
-              <a:t>groupId</a:t>
-            </a:r>
-            <a:r>
-              <a:rPr lang="en-US" dirty="0"/>
-              <a:t>&gt;</a:t>
-            </a:r>
-          </a:p>
-          <a:p>
-            <a:r>
-              <a:rPr lang="en-US" dirty="0"/>
-              <a:t>&lt;</a:t>
-            </a:r>
-            <a:r>
-              <a:rPr lang="en-US" dirty="0" err="1"/>
-              <a:t>artifactId</a:t>
-            </a:r>
-            <a:r>
-              <a:rPr lang="en-US" dirty="0"/>
-              <a:t>&gt;log4j-over-slf4j&lt;/</a:t>
-            </a:r>
-            <a:r>
-              <a:rPr lang="en-US" dirty="0" err="1"/>
-              <a:t>artifactId</a:t>
-            </a:r>
-            <a:r>
-              <a:rPr lang="en-US" dirty="0"/>
-              <a:t>&gt;</a:t>
-            </a:r>
-          </a:p>
-          <a:p>
-            <a:r>
-              <a:rPr lang="en-US" dirty="0"/>
-              <a:t>&lt;version&gt;1.5.11&lt;/version&gt;</a:t>
-            </a:r>
-          </a:p>
-          <a:p>
-            <a:r>
-              <a:rPr lang="en-US" dirty="0"/>
-              <a:t>&lt;/dependency&gt;</a:t>
-            </a:r>
-          </a:p>
-          <a:p>
-            <a:r>
-              <a:rPr lang="en-US" dirty="0"/>
-              <a:t>&lt;dependency&gt;</a:t>
-            </a:r>
-          </a:p>
-          <a:p>
-            <a:r>
-              <a:rPr lang="en-US" dirty="0"/>
-              <a:t>&lt;</a:t>
-            </a:r>
-            <a:r>
-              <a:rPr lang="en-US" dirty="0" err="1"/>
-              <a:t>groupId</a:t>
-            </a:r>
-            <a:r>
-              <a:rPr lang="en-US" dirty="0"/>
-              <a:t>&gt;org.slf4j&lt;/</a:t>
-            </a:r>
-            <a:r>
-              <a:rPr lang="en-US" dirty="0" err="1"/>
-              <a:t>groupId</a:t>
-            </a:r>
-            <a:r>
-              <a:rPr lang="en-US" dirty="0"/>
-              <a:t>&gt;</a:t>
-            </a:r>
-          </a:p>
-          <a:p>
-            <a:r>
-              <a:rPr lang="en-US" dirty="0"/>
-              <a:t>&lt;</a:t>
-            </a:r>
-            <a:r>
-              <a:rPr lang="en-US" dirty="0" err="1"/>
-              <a:t>artifactId</a:t>
-            </a:r>
-            <a:r>
-              <a:rPr lang="en-US" dirty="0"/>
-              <a:t>&gt;</a:t>
-            </a:r>
-            <a:r>
-              <a:rPr lang="en-US" u="sng" dirty="0"/>
-              <a:t>jul-to-slf4j&lt;/</a:t>
-            </a:r>
-            <a:r>
-              <a:rPr lang="en-US" u="sng" dirty="0" err="1"/>
-              <a:t>artifactId</a:t>
-            </a:r>
-            <a:r>
-              <a:rPr lang="en-US" u="sng" dirty="0"/>
-              <a:t>&gt;</a:t>
-            </a:r>
-          </a:p>
-          <a:p>
-            <a:r>
-              <a:rPr lang="en-US" dirty="0"/>
-              <a:t>&lt;version&gt;1.5.11&lt;/version&gt;</a:t>
-            </a:r>
-          </a:p>
-          <a:p>
-            <a:r>
-              <a:rPr lang="en-US" dirty="0"/>
-              <a:t>&lt;/dependency&gt;</a:t>
-            </a:r>
-          </a:p>
-          <a:p>
-            <a:r>
-              <a:rPr lang="en-US" dirty="0"/>
-              <a:t>&lt;dependency&gt;</a:t>
-            </a:r>
-          </a:p>
-          <a:p>
-            <a:r>
-              <a:rPr lang="en-US" dirty="0"/>
-              <a:t>&lt;</a:t>
-            </a:r>
-            <a:r>
-              <a:rPr lang="en-US" dirty="0" err="1"/>
-              <a:t>groupId</a:t>
-            </a:r>
-            <a:r>
-              <a:rPr lang="en-US" dirty="0"/>
-              <a:t>&gt;</a:t>
-            </a:r>
-            <a:r>
-              <a:rPr lang="en-US" dirty="0" err="1"/>
-              <a:t>ch.qos.logback</a:t>
-            </a:r>
-            <a:r>
-              <a:rPr lang="en-US" dirty="0"/>
-              <a:t>&lt;/</a:t>
-            </a:r>
-            <a:r>
-              <a:rPr lang="en-US" dirty="0" err="1"/>
-              <a:t>groupId</a:t>
-            </a:r>
-            <a:r>
-              <a:rPr lang="en-US" dirty="0"/>
-              <a:t>&gt;</a:t>
-            </a:r>
-          </a:p>
-          <a:p>
-            <a:r>
-              <a:rPr lang="en-US" dirty="0"/>
-              <a:t>&lt;</a:t>
-            </a:r>
-            <a:r>
-              <a:rPr lang="en-US" dirty="0" err="1"/>
-              <a:t>artifactId</a:t>
-            </a:r>
-            <a:r>
-              <a:rPr lang="en-US" dirty="0"/>
-              <a:t>&gt;</a:t>
-            </a:r>
-            <a:r>
-              <a:rPr lang="en-US" u="sng" dirty="0" err="1"/>
-              <a:t>logback</a:t>
-            </a:r>
-            <a:r>
-              <a:rPr lang="en-US" u="sng" dirty="0"/>
-              <a:t>-classic&lt;/</a:t>
-            </a:r>
-            <a:r>
-              <a:rPr lang="en-US" u="sng" dirty="0" err="1"/>
-              <a:t>artifactId</a:t>
-            </a:r>
-            <a:r>
-              <a:rPr lang="en-US" u="sng" dirty="0"/>
-              <a:t>&gt;</a:t>
-            </a:r>
-          </a:p>
-          <a:p>
-            <a:r>
-              <a:rPr lang="en-US" dirty="0"/>
-              <a:t>&lt;version&gt;0.9.20&lt;/version&gt;</a:t>
-            </a:r>
-          </a:p>
-          <a:p>
-            <a:r>
-              <a:rPr lang="en-US" dirty="0"/>
-              <a:t>&lt;/dependency&gt;</a:t>
-            </a:r>
-          </a:p>
-          <a:p>
-            <a:r>
-              <a:rPr lang="en-US" dirty="0"/>
-              <a:t>&lt;/dependencies&gt;</a:t>
-            </a:r>
-          </a:p>
-          <a:p>
-            <a:r>
-              <a:rPr lang="en-US" dirty="0"/>
-              <a:t>&lt;/</a:t>
-            </a:r>
-            <a:r>
-              <a:rPr lang="en-US" dirty="0" err="1"/>
-              <a:t>dependencyManagement</a:t>
-            </a:r>
-            <a:r>
-              <a:rPr lang="en-US"/>
-              <a:t>&gt;</a:t>
-            </a:r>
-            <a:endParaRPr lang="en-US" dirty="0"/>
-          </a:p>
-        </p:txBody>
-      </p:sp>
+        </p:nvPicPr>
+        <p:blipFill>
+          <a:blip r:embed="rId2">
+            <a:extLst>
+              <a:ext uri="{28A0092B-C50C-407E-A947-70E740481C1C}">
+                <a14:useLocalDpi xmlns:a14="http://schemas.microsoft.com/office/drawing/2010/main" val="0"/>
+              </a:ext>
+            </a:extLst>
+          </a:blip>
+          <a:srcRect/>
+          <a:stretch>
+            <a:fillRect/>
+          </a:stretch>
+        </p:blipFill>
+        <p:spPr bwMode="auto">
+          <a:xfrm>
+            <a:off x="3068658" y="1600200"/>
+            <a:ext cx="3006684" cy="4525963"/>
+          </a:xfrm>
+          <a:prstGeom prst="rect">
+            <a:avLst/>
+          </a:prstGeom>
+          <a:noFill/>
+          <a:ln>
+            <a:noFill/>
+          </a:ln>
+          <a:effectLst/>
+          <a:extLst>
+            <a:ext uri="{909E8E84-426E-40DD-AFC4-6F175D3DCCD1}">
+              <a14:hiddenFill xmlns:a14="http://schemas.microsoft.com/office/drawing/2010/main">
+                <a:solidFill>
+                  <a:schemeClr val="accent1"/>
+                </a:solidFill>
+              </a14:hiddenFill>
+            </a:ext>
+            <a:ext uri="{91240B29-F687-4F45-9708-019B960494DF}">
+              <a14:hiddenLine xmlns:a14="http://schemas.microsoft.com/office/drawing/2010/main" w="9525">
+                <a:solidFill>
+                  <a:schemeClr val="tx1"/>
+                </a:solidFill>
+                <a:miter lim="800000"/>
+                <a:headEnd/>
+                <a:tailEnd/>
+              </a14:hiddenLine>
+            </a:ext>
+            <a:ext uri="{AF507438-7753-43E0-B8FC-AC1667EBCBE1}">
+              <a14:hiddenEffects xmlns:a14="http://schemas.microsoft.com/office/drawing/2010/main">
+                <a:effectLst>
+                  <a:outerShdw dist="35921" dir="2700000" algn="ctr" rotWithShape="0">
+                    <a:schemeClr val="bg2"/>
+                  </a:outerShdw>
+                </a:effectLst>
+              </a14:hiddenEffects>
+            </a:ext>
+          </a:extLst>
+        </p:spPr>
+      </p:pic>
     </p:spTree>
     <p:extLst>
       <p:ext uri="{BB962C8B-B14F-4D97-AF65-F5344CB8AC3E}">
-        <p14:creationId xmlns:p14="http://schemas.microsoft.com/office/powerpoint/2010/main" val="1674336393"/>
+        <p14:creationId xmlns:p14="http://schemas.microsoft.com/office/powerpoint/2010/main" val="1269914975"/>
       </p:ext>
     </p:extLst>
   </p:cSld>
@@ -4444,7 +5173,11 @@
           <a:bodyPr/>
           <a:lstStyle/>
           <a:p>
-            <a:endParaRPr lang="en-US"/>
+            <a:r>
+              <a:rPr lang="en-US" dirty="0" smtClean="0"/>
+              <a:t>Plugin is a bit buggy</a:t>
+            </a:r>
+            <a:endParaRPr lang="en-US" dirty="0"/>
           </a:p>
         </p:txBody>
       </p:sp>
@@ -4460,17 +5193,419 @@
         </p:nvSpPr>
         <p:spPr/>
         <p:txBody>
-          <a:bodyPr/>
-          <a:lstStyle/>
-          <a:p>
-            <a:endParaRPr lang="en-US"/>
+          <a:bodyPr>
+            <a:normAutofit fontScale="25000" lnSpcReduction="20000"/>
+          </a:bodyPr>
+          <a:lstStyle/>
+          <a:p>
+            <a:r>
+              <a:rPr lang="en-US" dirty="0" smtClean="0"/>
+              <a:t>Plugin uses an old version of slf4j … </a:t>
+            </a:r>
+            <a:r>
+              <a:rPr lang="en-US" dirty="0" err="1" smtClean="0"/>
+              <a:t>gotta</a:t>
+            </a:r>
+            <a:r>
+              <a:rPr lang="en-US" dirty="0" smtClean="0"/>
+              <a:t> match it with our pom.xml</a:t>
+            </a:r>
+          </a:p>
+          <a:p>
+            <a:r>
+              <a:rPr lang="en-US" dirty="0" smtClean="0"/>
+              <a:t>God damn it!  Might have to restart Eclipse too as the plugin may cache the class</a:t>
+            </a:r>
+            <a:endParaRPr lang="en-US" dirty="0"/>
+          </a:p>
+          <a:p>
+            <a:endParaRPr lang="en-US" dirty="0" smtClean="0"/>
+          </a:p>
+          <a:p>
+            <a:r>
+              <a:rPr lang="en-US" dirty="0"/>
+              <a:t>&lt;</a:t>
+            </a:r>
+            <a:r>
+              <a:rPr lang="en-US" dirty="0" err="1"/>
+              <a:t>dependencyManagement</a:t>
+            </a:r>
+            <a:r>
+              <a:rPr lang="en-US" dirty="0"/>
+              <a:t>&gt;</a:t>
+            </a:r>
+          </a:p>
+          <a:p>
+            <a:r>
+              <a:rPr lang="en-US" dirty="0"/>
+              <a:t>&lt;dependencies&gt;</a:t>
+            </a:r>
+          </a:p>
+          <a:p>
+            <a:r>
+              <a:rPr lang="en-US" dirty="0"/>
+              <a:t>&lt;dependency&gt;</a:t>
+            </a:r>
+          </a:p>
+          <a:p>
+            <a:r>
+              <a:rPr lang="en-US" dirty="0"/>
+              <a:t>&lt;</a:t>
+            </a:r>
+            <a:r>
+              <a:rPr lang="en-US" dirty="0" err="1"/>
+              <a:t>groupId</a:t>
+            </a:r>
+            <a:r>
+              <a:rPr lang="en-US" dirty="0"/>
+              <a:t>&gt;org.slf4j&lt;/</a:t>
+            </a:r>
+            <a:r>
+              <a:rPr lang="en-US" dirty="0" err="1"/>
+              <a:t>groupId</a:t>
+            </a:r>
+            <a:r>
+              <a:rPr lang="en-US" dirty="0"/>
+              <a:t>&gt;</a:t>
+            </a:r>
+          </a:p>
+          <a:p>
+            <a:r>
+              <a:rPr lang="en-US" dirty="0"/>
+              <a:t>&lt;</a:t>
+            </a:r>
+            <a:r>
+              <a:rPr lang="en-US" dirty="0" err="1"/>
+              <a:t>artifactId</a:t>
+            </a:r>
+            <a:r>
+              <a:rPr lang="en-US" dirty="0"/>
+              <a:t>&gt;slf4j-</a:t>
+            </a:r>
+            <a:r>
+              <a:rPr lang="en-US" u="sng" dirty="0"/>
+              <a:t>api&lt;/</a:t>
+            </a:r>
+            <a:r>
+              <a:rPr lang="en-US" u="sng" dirty="0" err="1"/>
+              <a:t>artifactId</a:t>
+            </a:r>
+            <a:r>
+              <a:rPr lang="en-US" u="sng" dirty="0"/>
+              <a:t>&gt;</a:t>
+            </a:r>
+          </a:p>
+          <a:p>
+            <a:r>
+              <a:rPr lang="en-US" dirty="0"/>
+              <a:t>&lt;version&gt;1.5.11&lt;/version&gt;</a:t>
+            </a:r>
+          </a:p>
+          <a:p>
+            <a:r>
+              <a:rPr lang="en-US" dirty="0"/>
+              <a:t>&lt;/dependency&gt;</a:t>
+            </a:r>
+          </a:p>
+          <a:p>
+            <a:r>
+              <a:rPr lang="en-US" dirty="0"/>
+              <a:t>&lt;dependency&gt;</a:t>
+            </a:r>
+          </a:p>
+          <a:p>
+            <a:r>
+              <a:rPr lang="en-US" dirty="0"/>
+              <a:t>&lt;</a:t>
+            </a:r>
+            <a:r>
+              <a:rPr lang="en-US" dirty="0" err="1"/>
+              <a:t>groupId</a:t>
+            </a:r>
+            <a:r>
+              <a:rPr lang="en-US" dirty="0"/>
+              <a:t>&gt;org.slf4j&lt;/</a:t>
+            </a:r>
+            <a:r>
+              <a:rPr lang="en-US" dirty="0" err="1"/>
+              <a:t>groupId</a:t>
+            </a:r>
+            <a:r>
+              <a:rPr lang="en-US" dirty="0"/>
+              <a:t>&gt;</a:t>
+            </a:r>
+          </a:p>
+          <a:p>
+            <a:r>
+              <a:rPr lang="en-US" dirty="0"/>
+              <a:t>&lt;</a:t>
+            </a:r>
+            <a:r>
+              <a:rPr lang="en-US" dirty="0" err="1"/>
+              <a:t>artifactId</a:t>
+            </a:r>
+            <a:r>
+              <a:rPr lang="en-US" dirty="0"/>
+              <a:t>&gt;</a:t>
+            </a:r>
+            <a:r>
+              <a:rPr lang="en-US" u="sng" dirty="0"/>
+              <a:t>jcl-over-slf4j&lt;/</a:t>
+            </a:r>
+            <a:r>
+              <a:rPr lang="en-US" u="sng" dirty="0" err="1"/>
+              <a:t>artifactId</a:t>
+            </a:r>
+            <a:r>
+              <a:rPr lang="en-US" u="sng" dirty="0"/>
+              <a:t>&gt;</a:t>
+            </a:r>
+          </a:p>
+          <a:p>
+            <a:r>
+              <a:rPr lang="en-US" dirty="0"/>
+              <a:t>&lt;version&gt;1.5.11&lt;/version&gt;</a:t>
+            </a:r>
+          </a:p>
+          <a:p>
+            <a:r>
+              <a:rPr lang="en-US" dirty="0"/>
+              <a:t>&lt;/dependency&gt;</a:t>
+            </a:r>
+          </a:p>
+          <a:p>
+            <a:r>
+              <a:rPr lang="en-US" dirty="0"/>
+              <a:t>&lt;dependency&gt;</a:t>
+            </a:r>
+          </a:p>
+          <a:p>
+            <a:r>
+              <a:rPr lang="en-US" dirty="0"/>
+              <a:t>&lt;</a:t>
+            </a:r>
+            <a:r>
+              <a:rPr lang="en-US" dirty="0" err="1"/>
+              <a:t>groupId</a:t>
+            </a:r>
+            <a:r>
+              <a:rPr lang="en-US" dirty="0"/>
+              <a:t>&gt;org.slf4j&lt;/</a:t>
+            </a:r>
+            <a:r>
+              <a:rPr lang="en-US" dirty="0" err="1"/>
+              <a:t>groupId</a:t>
+            </a:r>
+            <a:r>
+              <a:rPr lang="en-US" dirty="0"/>
+              <a:t>&gt;</a:t>
+            </a:r>
+          </a:p>
+          <a:p>
+            <a:r>
+              <a:rPr lang="en-US" dirty="0"/>
+              <a:t>&lt;</a:t>
+            </a:r>
+            <a:r>
+              <a:rPr lang="en-US" dirty="0" err="1"/>
+              <a:t>artifactId</a:t>
+            </a:r>
+            <a:r>
+              <a:rPr lang="en-US" dirty="0"/>
+              <a:t>&gt;log4j-over-slf4j&lt;/</a:t>
+            </a:r>
+            <a:r>
+              <a:rPr lang="en-US" dirty="0" err="1"/>
+              <a:t>artifactId</a:t>
+            </a:r>
+            <a:r>
+              <a:rPr lang="en-US" dirty="0"/>
+              <a:t>&gt;</a:t>
+            </a:r>
+          </a:p>
+          <a:p>
+            <a:r>
+              <a:rPr lang="en-US" dirty="0"/>
+              <a:t>&lt;version&gt;1.5.11&lt;/version&gt;</a:t>
+            </a:r>
+          </a:p>
+          <a:p>
+            <a:r>
+              <a:rPr lang="en-US" dirty="0"/>
+              <a:t>&lt;/dependency&gt;</a:t>
+            </a:r>
+          </a:p>
+          <a:p>
+            <a:r>
+              <a:rPr lang="en-US" dirty="0"/>
+              <a:t>&lt;dependency&gt;</a:t>
+            </a:r>
+          </a:p>
+          <a:p>
+            <a:r>
+              <a:rPr lang="en-US" dirty="0"/>
+              <a:t>&lt;</a:t>
+            </a:r>
+            <a:r>
+              <a:rPr lang="en-US" dirty="0" err="1"/>
+              <a:t>groupId</a:t>
+            </a:r>
+            <a:r>
+              <a:rPr lang="en-US" dirty="0"/>
+              <a:t>&gt;org.slf4j&lt;/</a:t>
+            </a:r>
+            <a:r>
+              <a:rPr lang="en-US" dirty="0" err="1"/>
+              <a:t>groupId</a:t>
+            </a:r>
+            <a:r>
+              <a:rPr lang="en-US" dirty="0"/>
+              <a:t>&gt;</a:t>
+            </a:r>
+          </a:p>
+          <a:p>
+            <a:r>
+              <a:rPr lang="en-US" dirty="0"/>
+              <a:t>&lt;</a:t>
+            </a:r>
+            <a:r>
+              <a:rPr lang="en-US" dirty="0" err="1"/>
+              <a:t>artifactId</a:t>
+            </a:r>
+            <a:r>
+              <a:rPr lang="en-US" dirty="0"/>
+              <a:t>&gt;</a:t>
+            </a:r>
+            <a:r>
+              <a:rPr lang="en-US" u="sng" dirty="0"/>
+              <a:t>jul-to-slf4j&lt;/</a:t>
+            </a:r>
+            <a:r>
+              <a:rPr lang="en-US" u="sng" dirty="0" err="1"/>
+              <a:t>artifactId</a:t>
+            </a:r>
+            <a:r>
+              <a:rPr lang="en-US" u="sng" dirty="0"/>
+              <a:t>&gt;</a:t>
+            </a:r>
+          </a:p>
+          <a:p>
+            <a:r>
+              <a:rPr lang="en-US" dirty="0"/>
+              <a:t>&lt;version&gt;1.5.11&lt;/version&gt;</a:t>
+            </a:r>
+          </a:p>
+          <a:p>
+            <a:r>
+              <a:rPr lang="en-US" dirty="0"/>
+              <a:t>&lt;/dependency&gt;</a:t>
+            </a:r>
+          </a:p>
+          <a:p>
+            <a:r>
+              <a:rPr lang="en-US" dirty="0"/>
+              <a:t>&lt;dependency&gt;</a:t>
+            </a:r>
+          </a:p>
+          <a:p>
+            <a:r>
+              <a:rPr lang="en-US" dirty="0"/>
+              <a:t>&lt;</a:t>
+            </a:r>
+            <a:r>
+              <a:rPr lang="en-US" dirty="0" err="1"/>
+              <a:t>groupId</a:t>
+            </a:r>
+            <a:r>
+              <a:rPr lang="en-US" dirty="0"/>
+              <a:t>&gt;</a:t>
+            </a:r>
+            <a:r>
+              <a:rPr lang="en-US" dirty="0" err="1"/>
+              <a:t>ch.qos.logback</a:t>
+            </a:r>
+            <a:r>
+              <a:rPr lang="en-US" dirty="0"/>
+              <a:t>&lt;/</a:t>
+            </a:r>
+            <a:r>
+              <a:rPr lang="en-US" dirty="0" err="1"/>
+              <a:t>groupId</a:t>
+            </a:r>
+            <a:r>
+              <a:rPr lang="en-US" dirty="0"/>
+              <a:t>&gt;</a:t>
+            </a:r>
+          </a:p>
+          <a:p>
+            <a:r>
+              <a:rPr lang="en-US" dirty="0"/>
+              <a:t>&lt;</a:t>
+            </a:r>
+            <a:r>
+              <a:rPr lang="en-US" dirty="0" err="1"/>
+              <a:t>artifactId</a:t>
+            </a:r>
+            <a:r>
+              <a:rPr lang="en-US" dirty="0"/>
+              <a:t>&gt;</a:t>
+            </a:r>
+            <a:r>
+              <a:rPr lang="en-US" u="sng" dirty="0" err="1"/>
+              <a:t>logback</a:t>
+            </a:r>
+            <a:r>
+              <a:rPr lang="en-US" u="sng" dirty="0"/>
+              <a:t>-classic&lt;/</a:t>
+            </a:r>
+            <a:r>
+              <a:rPr lang="en-US" u="sng" dirty="0" err="1"/>
+              <a:t>artifactId</a:t>
+            </a:r>
+            <a:r>
+              <a:rPr lang="en-US" u="sng" dirty="0"/>
+              <a:t>&gt;</a:t>
+            </a:r>
+          </a:p>
+          <a:p>
+            <a:r>
+              <a:rPr lang="en-US" dirty="0"/>
+              <a:t>&lt;version&gt;0.9.20&lt;/version&gt;</a:t>
+            </a:r>
+          </a:p>
+          <a:p>
+            <a:r>
+              <a:rPr lang="en-US" dirty="0"/>
+              <a:t>&lt;/dependency&gt;</a:t>
+            </a:r>
+          </a:p>
+          <a:p>
+            <a:r>
+              <a:rPr lang="en-US" dirty="0"/>
+              <a:t>&lt;/dependencies&gt;</a:t>
+            </a:r>
+          </a:p>
+          <a:p>
+            <a:r>
+              <a:rPr lang="en-US" dirty="0"/>
+              <a:t>&lt;/</a:t>
+            </a:r>
+            <a:r>
+              <a:rPr lang="en-US" dirty="0" err="1"/>
+              <a:t>dependencyManagement</a:t>
+            </a:r>
+            <a:r>
+              <a:rPr lang="en-US" dirty="0"/>
+              <a:t>&gt;</a:t>
+            </a:r>
+            <a:endParaRPr lang="en-US" dirty="0"/>
           </a:p>
         </p:txBody>
       </p:sp>
     </p:spTree>
     <p:extLst>
       <p:ext uri="{BB962C8B-B14F-4D97-AF65-F5344CB8AC3E}">
-        <p14:creationId xmlns:p14="http://schemas.microsoft.com/office/powerpoint/2010/main" val="599935230"/>
+        <p14:creationId xmlns:p14="http://schemas.microsoft.com/office/powerpoint/2010/main" val="1674336393"/>
       </p:ext>
     </p:extLst>
   </p:cSld>
